--- a/Rapport/Présentation.pptx
+++ b/Rapport/Présentation.pptx
@@ -5,7 +5,7 @@
     <p:sldMasterId id="2147483648" r:id="rId1"/>
   </p:sldMasterIdLst>
   <p:notesMasterIdLst>
-    <p:notesMasterId r:id="rId10"/>
+    <p:notesMasterId r:id="rId12"/>
   </p:notesMasterIdLst>
   <p:sldIdLst>
     <p:sldId id="266" r:id="rId2"/>
@@ -13,9 +13,11 @@
     <p:sldId id="258" r:id="rId4"/>
     <p:sldId id="268" r:id="rId5"/>
     <p:sldId id="271" r:id="rId6"/>
-    <p:sldId id="269" r:id="rId7"/>
-    <p:sldId id="270" r:id="rId8"/>
-    <p:sldId id="267" r:id="rId9"/>
+    <p:sldId id="273" r:id="rId7"/>
+    <p:sldId id="269" r:id="rId8"/>
+    <p:sldId id="270" r:id="rId9"/>
+    <p:sldId id="267" r:id="rId10"/>
+    <p:sldId id="274" r:id="rId11"/>
   </p:sldIdLst>
   <p:sldSz cx="12192000" cy="6858000"/>
   <p:notesSz cx="6858000" cy="9144000"/>
@@ -122,6 +124,2353 @@
 </p:presentation>
 </file>
 
+<file path=ppt/revisionInfo.xml><?xml version="1.0" encoding="utf-8"?>
+<p1510:revInfo xmlns:a="http://schemas.openxmlformats.org/drawingml/2006/main" xmlns:r="http://schemas.openxmlformats.org/officeDocument/2006/relationships" xmlns:p1510="http://schemas.microsoft.com/office/powerpoint/2015/10/main">
+  <p1510:revLst>
+    <p1510:client id="{22935144-3F2C-4369-A324-ECCDACDAB8CD}" v="50" dt="2019-10-15T15:57:22.708"/>
+  </p1510:revLst>
+</p1510:revInfo>
+</file>
+
+<file path=ppt/changesInfos/changesInfo1.xml><?xml version="1.0" encoding="utf-8"?>
+<pc:chgInfo xmlns:a="http://schemas.openxmlformats.org/drawingml/2006/main" xmlns:r="http://schemas.openxmlformats.org/officeDocument/2006/relationships" xmlns:ac="http://schemas.microsoft.com/office/drawing/2013/main/command" xmlns:pc="http://schemas.microsoft.com/office/powerpoint/2013/main/command">
+  <pc:docChgLst>
+    <pc:chgData name="Arnaud Rohé" userId="3368820909fd00f6" providerId="LiveId" clId="{22935144-3F2C-4369-A324-ECCDACDAB8CD}"/>
+    <pc:docChg chg="undo custSel mod addSld delSld modSld sldOrd">
+      <pc:chgData name="Arnaud Rohé" userId="3368820909fd00f6" providerId="LiveId" clId="{22935144-3F2C-4369-A324-ECCDACDAB8CD}" dt="2019-10-15T15:57:22.705" v="2241"/>
+      <pc:docMkLst>
+        <pc:docMk/>
+      </pc:docMkLst>
+      <pc:sldChg chg="modSp">
+        <pc:chgData name="Arnaud Rohé" userId="3368820909fd00f6" providerId="LiveId" clId="{22935144-3F2C-4369-A324-ECCDACDAB8CD}" dt="2019-10-15T15:55:00.239" v="2096" actId="207"/>
+        <pc:sldMkLst>
+          <pc:docMk/>
+          <pc:sldMk cId="2416968927" sldId="257"/>
+        </pc:sldMkLst>
+        <pc:spChg chg="mod">
+          <ac:chgData name="Arnaud Rohé" userId="3368820909fd00f6" providerId="LiveId" clId="{22935144-3F2C-4369-A324-ECCDACDAB8CD}" dt="2019-10-15T15:55:00.239" v="2096" actId="207"/>
+          <ac:spMkLst>
+            <pc:docMk/>
+            <pc:sldMk cId="2416968927" sldId="257"/>
+            <ac:spMk id="3" creationId="{00000000-0000-0000-0000-000000000000}"/>
+          </ac:spMkLst>
+        </pc:spChg>
+      </pc:sldChg>
+      <pc:sldChg chg="modSp">
+        <pc:chgData name="Arnaud Rohé" userId="3368820909fd00f6" providerId="LiveId" clId="{22935144-3F2C-4369-A324-ECCDACDAB8CD}" dt="2019-10-15T15:54:45.258" v="2094" actId="20577"/>
+        <pc:sldMkLst>
+          <pc:docMk/>
+          <pc:sldMk cId="4289440040" sldId="258"/>
+        </pc:sldMkLst>
+        <pc:spChg chg="mod">
+          <ac:chgData name="Arnaud Rohé" userId="3368820909fd00f6" providerId="LiveId" clId="{22935144-3F2C-4369-A324-ECCDACDAB8CD}" dt="2019-10-15T15:54:45.258" v="2094" actId="20577"/>
+          <ac:spMkLst>
+            <pc:docMk/>
+            <pc:sldMk cId="4289440040" sldId="258"/>
+            <ac:spMk id="3" creationId="{00000000-0000-0000-0000-000000000000}"/>
+          </ac:spMkLst>
+        </pc:spChg>
+      </pc:sldChg>
+      <pc:sldChg chg="modSp">
+        <pc:chgData name="Arnaud Rohé" userId="3368820909fd00f6" providerId="LiveId" clId="{22935144-3F2C-4369-A324-ECCDACDAB8CD}" dt="2019-10-15T15:56:54.430" v="2240" actId="20577"/>
+        <pc:sldMkLst>
+          <pc:docMk/>
+          <pc:sldMk cId="1563047482" sldId="267"/>
+        </pc:sldMkLst>
+        <pc:spChg chg="mod">
+          <ac:chgData name="Arnaud Rohé" userId="3368820909fd00f6" providerId="LiveId" clId="{22935144-3F2C-4369-A324-ECCDACDAB8CD}" dt="2019-10-15T15:56:54.430" v="2240" actId="20577"/>
+          <ac:spMkLst>
+            <pc:docMk/>
+            <pc:sldMk cId="1563047482" sldId="267"/>
+            <ac:spMk id="2" creationId="{00000000-0000-0000-0000-000000000000}"/>
+          </ac:spMkLst>
+        </pc:spChg>
+        <pc:spChg chg="mod">
+          <ac:chgData name="Arnaud Rohé" userId="3368820909fd00f6" providerId="LiveId" clId="{22935144-3F2C-4369-A324-ECCDACDAB8CD}" dt="2019-10-15T15:56:40.638" v="2207" actId="20577"/>
+          <ac:spMkLst>
+            <pc:docMk/>
+            <pc:sldMk cId="1563047482" sldId="267"/>
+            <ac:spMk id="3" creationId="{00000000-0000-0000-0000-000000000000}"/>
+          </ac:spMkLst>
+        </pc:spChg>
+      </pc:sldChg>
+      <pc:sldChg chg="addSp delSp modSp">
+        <pc:chgData name="Arnaud Rohé" userId="3368820909fd00f6" providerId="LiveId" clId="{22935144-3F2C-4369-A324-ECCDACDAB8CD}" dt="2019-10-15T15:45:20.616" v="1520"/>
+        <pc:sldMkLst>
+          <pc:docMk/>
+          <pc:sldMk cId="2232282456" sldId="269"/>
+        </pc:sldMkLst>
+        <pc:spChg chg="del">
+          <ac:chgData name="Arnaud Rohé" userId="3368820909fd00f6" providerId="LiveId" clId="{22935144-3F2C-4369-A324-ECCDACDAB8CD}" dt="2019-10-15T15:13:54.964" v="1389" actId="478"/>
+          <ac:spMkLst>
+            <pc:docMk/>
+            <pc:sldMk cId="2232282456" sldId="269"/>
+            <ac:spMk id="3" creationId="{00000000-0000-0000-0000-000000000000}"/>
+          </ac:spMkLst>
+        </pc:spChg>
+        <pc:spChg chg="add del">
+          <ac:chgData name="Arnaud Rohé" userId="3368820909fd00f6" providerId="LiveId" clId="{22935144-3F2C-4369-A324-ECCDACDAB8CD}" dt="2019-10-15T15:13:51.620" v="1388"/>
+          <ac:spMkLst>
+            <pc:docMk/>
+            <pc:sldMk cId="2232282456" sldId="269"/>
+            <ac:spMk id="6" creationId="{8BFE66C9-F0AA-483E-8A3F-2D2F6BEC8349}"/>
+          </ac:spMkLst>
+        </pc:spChg>
+        <pc:spChg chg="add del mod">
+          <ac:chgData name="Arnaud Rohé" userId="3368820909fd00f6" providerId="LiveId" clId="{22935144-3F2C-4369-A324-ECCDACDAB8CD}" dt="2019-10-15T15:13:59.781" v="1392" actId="478"/>
+          <ac:spMkLst>
+            <pc:docMk/>
+            <pc:sldMk cId="2232282456" sldId="269"/>
+            <ac:spMk id="8" creationId="{22C3AB02-4F19-4251-9F57-5867EAB0AA97}"/>
+          </ac:spMkLst>
+        </pc:spChg>
+        <pc:spChg chg="add del">
+          <ac:chgData name="Arnaud Rohé" userId="3368820909fd00f6" providerId="LiveId" clId="{22935144-3F2C-4369-A324-ECCDACDAB8CD}" dt="2019-10-15T15:13:57.361" v="1391"/>
+          <ac:spMkLst>
+            <pc:docMk/>
+            <pc:sldMk cId="2232282456" sldId="269"/>
+            <ac:spMk id="9" creationId="{79BB88F3-913D-42EF-9C2C-C1D90C330380}"/>
+          </ac:spMkLst>
+        </pc:spChg>
+        <pc:spChg chg="add del mod">
+          <ac:chgData name="Arnaud Rohé" userId="3368820909fd00f6" providerId="LiveId" clId="{22935144-3F2C-4369-A324-ECCDACDAB8CD}" dt="2019-10-15T15:45:08.439" v="1518" actId="478"/>
+          <ac:spMkLst>
+            <pc:docMk/>
+            <pc:sldMk cId="2232282456" sldId="269"/>
+            <ac:spMk id="10" creationId="{5B87FC90-D0DB-4F5D-8AB8-A2B33ECBFE6F}"/>
+          </ac:spMkLst>
+        </pc:spChg>
+        <pc:spChg chg="add del mod">
+          <ac:chgData name="Arnaud Rohé" userId="3368820909fd00f6" providerId="LiveId" clId="{22935144-3F2C-4369-A324-ECCDACDAB8CD}" dt="2019-10-15T15:45:12.437" v="1519" actId="478"/>
+          <ac:spMkLst>
+            <pc:docMk/>
+            <pc:sldMk cId="2232282456" sldId="269"/>
+            <ac:spMk id="12" creationId="{A6A322FA-23F7-4D1C-84A0-AF3DE35822E9}"/>
+          </ac:spMkLst>
+        </pc:spChg>
+        <pc:spChg chg="add">
+          <ac:chgData name="Arnaud Rohé" userId="3368820909fd00f6" providerId="LiveId" clId="{22935144-3F2C-4369-A324-ECCDACDAB8CD}" dt="2019-10-15T15:45:20.616" v="1520"/>
+          <ac:spMkLst>
+            <pc:docMk/>
+            <pc:sldMk cId="2232282456" sldId="269"/>
+            <ac:spMk id="13" creationId="{02E288D3-32F0-414A-BF21-2B656E372E7C}"/>
+          </ac:spMkLst>
+        </pc:spChg>
+      </pc:sldChg>
+      <pc:sldChg chg="modSp">
+        <pc:chgData name="Arnaud Rohé" userId="3368820909fd00f6" providerId="LiveId" clId="{22935144-3F2C-4369-A324-ECCDACDAB8CD}" dt="2019-10-15T15:56:12.799" v="2206" actId="20577"/>
+        <pc:sldMkLst>
+          <pc:docMk/>
+          <pc:sldMk cId="10075181" sldId="271"/>
+        </pc:sldMkLst>
+        <pc:spChg chg="mod">
+          <ac:chgData name="Arnaud Rohé" userId="3368820909fd00f6" providerId="LiveId" clId="{22935144-3F2C-4369-A324-ECCDACDAB8CD}" dt="2019-10-15T15:56:12.799" v="2206" actId="20577"/>
+          <ac:spMkLst>
+            <pc:docMk/>
+            <pc:sldMk cId="10075181" sldId="271"/>
+            <ac:spMk id="3" creationId="{00000000-0000-0000-0000-000000000000}"/>
+          </ac:spMkLst>
+        </pc:spChg>
+      </pc:sldChg>
+      <pc:sldChg chg="add del">
+        <pc:chgData name="Arnaud Rohé" userId="3368820909fd00f6" providerId="LiveId" clId="{22935144-3F2C-4369-A324-ECCDACDAB8CD}" dt="2019-10-15T10:59:44.754" v="978" actId="2696"/>
+        <pc:sldMkLst>
+          <pc:docMk/>
+          <pc:sldMk cId="1455050618" sldId="272"/>
+        </pc:sldMkLst>
+      </pc:sldChg>
+      <pc:sldChg chg="add del ord">
+        <pc:chgData name="Arnaud Rohé" userId="3368820909fd00f6" providerId="LiveId" clId="{22935144-3F2C-4369-A324-ECCDACDAB8CD}" dt="2019-10-15T10:59:35.645" v="975" actId="2696"/>
+        <pc:sldMkLst>
+          <pc:docMk/>
+          <pc:sldMk cId="2367299577" sldId="272"/>
+        </pc:sldMkLst>
+      </pc:sldChg>
+      <pc:sldChg chg="addSp delSp modSp add mod setBg">
+        <pc:chgData name="Arnaud Rohé" userId="3368820909fd00f6" providerId="LiveId" clId="{22935144-3F2C-4369-A324-ECCDACDAB8CD}" dt="2019-10-15T15:09:44.684" v="1386" actId="1035"/>
+        <pc:sldMkLst>
+          <pc:docMk/>
+          <pc:sldMk cId="927800010" sldId="273"/>
+        </pc:sldMkLst>
+        <pc:spChg chg="mod">
+          <ac:chgData name="Arnaud Rohé" userId="3368820909fd00f6" providerId="LiveId" clId="{22935144-3F2C-4369-A324-ECCDACDAB8CD}" dt="2019-10-15T15:05:33.999" v="1376" actId="26606"/>
+          <ac:spMkLst>
+            <pc:docMk/>
+            <pc:sldMk cId="927800010" sldId="273"/>
+            <ac:spMk id="2" creationId="{00000000-0000-0000-0000-000000000000}"/>
+          </ac:spMkLst>
+        </pc:spChg>
+        <pc:spChg chg="mod">
+          <ac:chgData name="Arnaud Rohé" userId="3368820909fd00f6" providerId="LiveId" clId="{22935144-3F2C-4369-A324-ECCDACDAB8CD}" dt="2019-10-15T15:05:56.075" v="1378" actId="113"/>
+          <ac:spMkLst>
+            <pc:docMk/>
+            <pc:sldMk cId="927800010" sldId="273"/>
+            <ac:spMk id="3" creationId="{00000000-0000-0000-0000-000000000000}"/>
+          </ac:spMkLst>
+        </pc:spChg>
+        <pc:spChg chg="mod">
+          <ac:chgData name="Arnaud Rohé" userId="3368820909fd00f6" providerId="LiveId" clId="{22935144-3F2C-4369-A324-ECCDACDAB8CD}" dt="2019-10-15T15:05:33.999" v="1376" actId="26606"/>
+          <ac:spMkLst>
+            <pc:docMk/>
+            <pc:sldMk cId="927800010" sldId="273"/>
+            <ac:spMk id="4" creationId="{00000000-0000-0000-0000-000000000000}"/>
+          </ac:spMkLst>
+        </pc:spChg>
+        <pc:spChg chg="add del">
+          <ac:chgData name="Arnaud Rohé" userId="3368820909fd00f6" providerId="LiveId" clId="{22935144-3F2C-4369-A324-ECCDACDAB8CD}" dt="2019-10-15T15:05:33.999" v="1376" actId="26606"/>
+          <ac:spMkLst>
+            <pc:docMk/>
+            <pc:sldMk cId="927800010" sldId="273"/>
+            <ac:spMk id="12" creationId="{73DE2CFE-42F2-48F0-8706-5264E012B10C}"/>
+          </ac:spMkLst>
+        </pc:spChg>
+        <pc:graphicFrameChg chg="add del mod">
+          <ac:chgData name="Arnaud Rohé" userId="3368820909fd00f6" providerId="LiveId" clId="{22935144-3F2C-4369-A324-ECCDACDAB8CD}" dt="2019-10-15T15:05:13.825" v="1372" actId="478"/>
+          <ac:graphicFrameMkLst>
+            <pc:docMk/>
+            <pc:sldMk cId="927800010" sldId="273"/>
+            <ac:graphicFrameMk id="6" creationId="{95A14DE3-BC02-48EE-A119-EEE65C039E37}"/>
+          </ac:graphicFrameMkLst>
+        </pc:graphicFrameChg>
+        <pc:graphicFrameChg chg="add mod">
+          <ac:chgData name="Arnaud Rohé" userId="3368820909fd00f6" providerId="LiveId" clId="{22935144-3F2C-4369-A324-ECCDACDAB8CD}" dt="2019-10-15T15:09:44.684" v="1386" actId="1035"/>
+          <ac:graphicFrameMkLst>
+            <pc:docMk/>
+            <pc:sldMk cId="927800010" sldId="273"/>
+            <ac:graphicFrameMk id="7" creationId="{95A14DE3-BC02-48EE-A119-EEE65C039E37}"/>
+          </ac:graphicFrameMkLst>
+        </pc:graphicFrameChg>
+      </pc:sldChg>
+      <pc:sldChg chg="add">
+        <pc:chgData name="Arnaud Rohé" userId="3368820909fd00f6" providerId="LiveId" clId="{22935144-3F2C-4369-A324-ECCDACDAB8CD}" dt="2019-10-15T15:57:22.705" v="2241"/>
+        <pc:sldMkLst>
+          <pc:docMk/>
+          <pc:sldMk cId="153893761" sldId="274"/>
+        </pc:sldMkLst>
+      </pc:sldChg>
+      <pc:sldChg chg="addSp delSp modSp add del">
+        <pc:chgData name="Arnaud Rohé" userId="3368820909fd00f6" providerId="LiveId" clId="{22935144-3F2C-4369-A324-ECCDACDAB8CD}" dt="2019-10-15T15:55:59.825" v="2162" actId="2696"/>
+        <pc:sldMkLst>
+          <pc:docMk/>
+          <pc:sldMk cId="233120409" sldId="274"/>
+        </pc:sldMkLst>
+        <pc:spChg chg="del">
+          <ac:chgData name="Arnaud Rohé" userId="3368820909fd00f6" providerId="LiveId" clId="{22935144-3F2C-4369-A324-ECCDACDAB8CD}" dt="2019-10-15T15:44:51.728" v="1515" actId="478"/>
+          <ac:spMkLst>
+            <pc:docMk/>
+            <pc:sldMk cId="233120409" sldId="274"/>
+            <ac:spMk id="3" creationId="{00000000-0000-0000-0000-000000000000}"/>
+          </ac:spMkLst>
+        </pc:spChg>
+        <pc:spChg chg="add del mod">
+          <ac:chgData name="Arnaud Rohé" userId="3368820909fd00f6" providerId="LiveId" clId="{22935144-3F2C-4369-A324-ECCDACDAB8CD}" dt="2019-10-15T15:45:00.053" v="1516" actId="478"/>
+          <ac:spMkLst>
+            <pc:docMk/>
+            <pc:sldMk cId="233120409" sldId="274"/>
+            <ac:spMk id="8" creationId="{2B91C47A-48ED-462C-B9BA-0177AF8F5464}"/>
+          </ac:spMkLst>
+        </pc:spChg>
+        <pc:spChg chg="add">
+          <ac:chgData name="Arnaud Rohé" userId="3368820909fd00f6" providerId="LiveId" clId="{22935144-3F2C-4369-A324-ECCDACDAB8CD}" dt="2019-10-15T15:45:05.230" v="1517"/>
+          <ac:spMkLst>
+            <pc:docMk/>
+            <pc:sldMk cId="233120409" sldId="274"/>
+            <ac:spMk id="9" creationId="{267A7080-9CC3-4419-B735-094FA1F66899}"/>
+          </ac:spMkLst>
+        </pc:spChg>
+        <pc:graphicFrameChg chg="del">
+          <ac:chgData name="Arnaud Rohé" userId="3368820909fd00f6" providerId="LiveId" clId="{22935144-3F2C-4369-A324-ECCDACDAB8CD}" dt="2019-10-15T15:44:48.182" v="1514" actId="478"/>
+          <ac:graphicFrameMkLst>
+            <pc:docMk/>
+            <pc:sldMk cId="233120409" sldId="274"/>
+            <ac:graphicFrameMk id="7" creationId="{95A14DE3-BC02-48EE-A119-EEE65C039E37}"/>
+          </ac:graphicFrameMkLst>
+        </pc:graphicFrameChg>
+      </pc:sldChg>
+    </pc:docChg>
+  </pc:docChgLst>
+</pc:chgInfo>
+</file>
+
+<file path=ppt/charts/chart1.xml><?xml version="1.0" encoding="utf-8"?>
+<c:chartSpace xmlns:c="http://schemas.openxmlformats.org/drawingml/2006/chart" xmlns:a="http://schemas.openxmlformats.org/drawingml/2006/main" xmlns:r="http://schemas.openxmlformats.org/officeDocument/2006/relationships" xmlns:c16r2="http://schemas.microsoft.com/office/drawing/2015/06/chart">
+  <c:date1904 val="0"/>
+  <c:lang val="fr-FR"/>
+  <c:roundedCorners val="0"/>
+  <mc:AlternateContent xmlns:mc="http://schemas.openxmlformats.org/markup-compatibility/2006">
+    <mc:Choice xmlns:c14="http://schemas.microsoft.com/office/drawing/2007/8/2/chart" Requires="c14">
+      <c14:style val="102"/>
+    </mc:Choice>
+    <mc:Fallback>
+      <c:style val="2"/>
+    </mc:Fallback>
+  </mc:AlternateContent>
+  <c:chart>
+    <c:autoTitleDeleted val="1"/>
+    <c:plotArea>
+      <c:layout/>
+      <c:barChart>
+        <c:barDir val="col"/>
+        <c:grouping val="clustered"/>
+        <c:varyColors val="0"/>
+        <c:ser>
+          <c:idx val="1"/>
+          <c:order val="1"/>
+          <c:tx>
+            <c:strRef>
+              <c:f>'[Histogramme BBG.xlsx]Feuil1'!$D$1</c:f>
+              <c:strCache>
+                <c:ptCount val="1"/>
+                <c:pt idx="0">
+                  <c:v>nb occurrence (sur 30 000 valeurs)</c:v>
+                </c:pt>
+              </c:strCache>
+            </c:strRef>
+          </c:tx>
+          <c:spPr>
+            <a:solidFill>
+              <a:schemeClr val="accent2"/>
+            </a:solidFill>
+            <a:ln>
+              <a:noFill/>
+            </a:ln>
+            <a:effectLst/>
+          </c:spPr>
+          <c:invertIfNegative val="0"/>
+          <c:cat>
+            <c:numRef>
+              <c:f>'[Histogramme BBG.xlsx]Feuil1'!$C$2:$C$82</c:f>
+              <c:numCache>
+                <c:formatCode>0.00</c:formatCode>
+                <c:ptCount val="81"/>
+                <c:pt idx="0">
+                  <c:v>40</c:v>
+                </c:pt>
+                <c:pt idx="1">
+                  <c:v>39</c:v>
+                </c:pt>
+                <c:pt idx="2">
+                  <c:v>38</c:v>
+                </c:pt>
+                <c:pt idx="3">
+                  <c:v>37</c:v>
+                </c:pt>
+                <c:pt idx="4">
+                  <c:v>36</c:v>
+                </c:pt>
+                <c:pt idx="5">
+                  <c:v>35</c:v>
+                </c:pt>
+                <c:pt idx="6">
+                  <c:v>34</c:v>
+                </c:pt>
+                <c:pt idx="7">
+                  <c:v>33</c:v>
+                </c:pt>
+                <c:pt idx="8">
+                  <c:v>32</c:v>
+                </c:pt>
+                <c:pt idx="9">
+                  <c:v>31</c:v>
+                </c:pt>
+                <c:pt idx="10">
+                  <c:v>30</c:v>
+                </c:pt>
+                <c:pt idx="11">
+                  <c:v>29</c:v>
+                </c:pt>
+                <c:pt idx="12">
+                  <c:v>28</c:v>
+                </c:pt>
+                <c:pt idx="13">
+                  <c:v>27</c:v>
+                </c:pt>
+                <c:pt idx="14">
+                  <c:v>26</c:v>
+                </c:pt>
+                <c:pt idx="15">
+                  <c:v>25</c:v>
+                </c:pt>
+                <c:pt idx="16">
+                  <c:v>24</c:v>
+                </c:pt>
+                <c:pt idx="17">
+                  <c:v>23</c:v>
+                </c:pt>
+                <c:pt idx="18">
+                  <c:v>22</c:v>
+                </c:pt>
+                <c:pt idx="19">
+                  <c:v>21</c:v>
+                </c:pt>
+                <c:pt idx="20">
+                  <c:v>20</c:v>
+                </c:pt>
+                <c:pt idx="21">
+                  <c:v>19</c:v>
+                </c:pt>
+                <c:pt idx="22">
+                  <c:v>18</c:v>
+                </c:pt>
+                <c:pt idx="23">
+                  <c:v>17</c:v>
+                </c:pt>
+                <c:pt idx="24">
+                  <c:v>16</c:v>
+                </c:pt>
+                <c:pt idx="25">
+                  <c:v>15</c:v>
+                </c:pt>
+                <c:pt idx="26">
+                  <c:v>14</c:v>
+                </c:pt>
+                <c:pt idx="27">
+                  <c:v>13</c:v>
+                </c:pt>
+                <c:pt idx="28">
+                  <c:v>12</c:v>
+                </c:pt>
+                <c:pt idx="29">
+                  <c:v>11</c:v>
+                </c:pt>
+                <c:pt idx="30">
+                  <c:v>10</c:v>
+                </c:pt>
+                <c:pt idx="31">
+                  <c:v>9</c:v>
+                </c:pt>
+                <c:pt idx="32">
+                  <c:v>8</c:v>
+                </c:pt>
+                <c:pt idx="33">
+                  <c:v>7</c:v>
+                </c:pt>
+                <c:pt idx="34">
+                  <c:v>6</c:v>
+                </c:pt>
+                <c:pt idx="35">
+                  <c:v>5</c:v>
+                </c:pt>
+                <c:pt idx="36">
+                  <c:v>4</c:v>
+                </c:pt>
+                <c:pt idx="37">
+                  <c:v>3</c:v>
+                </c:pt>
+                <c:pt idx="38">
+                  <c:v>2</c:v>
+                </c:pt>
+                <c:pt idx="39">
+                  <c:v>1</c:v>
+                </c:pt>
+                <c:pt idx="40">
+                  <c:v>0</c:v>
+                </c:pt>
+                <c:pt idx="41">
+                  <c:v>-1</c:v>
+                </c:pt>
+                <c:pt idx="42">
+                  <c:v>-2</c:v>
+                </c:pt>
+                <c:pt idx="43">
+                  <c:v>-3</c:v>
+                </c:pt>
+                <c:pt idx="44">
+                  <c:v>-4</c:v>
+                </c:pt>
+                <c:pt idx="45">
+                  <c:v>-5</c:v>
+                </c:pt>
+                <c:pt idx="46">
+                  <c:v>-6</c:v>
+                </c:pt>
+                <c:pt idx="47">
+                  <c:v>-7</c:v>
+                </c:pt>
+                <c:pt idx="48">
+                  <c:v>-8</c:v>
+                </c:pt>
+                <c:pt idx="49">
+                  <c:v>-9</c:v>
+                </c:pt>
+                <c:pt idx="50">
+                  <c:v>-10</c:v>
+                </c:pt>
+                <c:pt idx="51">
+                  <c:v>-11</c:v>
+                </c:pt>
+                <c:pt idx="52">
+                  <c:v>-12</c:v>
+                </c:pt>
+                <c:pt idx="53">
+                  <c:v>-13</c:v>
+                </c:pt>
+                <c:pt idx="54">
+                  <c:v>-14</c:v>
+                </c:pt>
+                <c:pt idx="55">
+                  <c:v>-15</c:v>
+                </c:pt>
+                <c:pt idx="56">
+                  <c:v>-16</c:v>
+                </c:pt>
+                <c:pt idx="57">
+                  <c:v>-17</c:v>
+                </c:pt>
+                <c:pt idx="58">
+                  <c:v>-18</c:v>
+                </c:pt>
+                <c:pt idx="59">
+                  <c:v>-19</c:v>
+                </c:pt>
+                <c:pt idx="60">
+                  <c:v>-20</c:v>
+                </c:pt>
+                <c:pt idx="61">
+                  <c:v>-21</c:v>
+                </c:pt>
+                <c:pt idx="62">
+                  <c:v>-22</c:v>
+                </c:pt>
+                <c:pt idx="63">
+                  <c:v>-23</c:v>
+                </c:pt>
+                <c:pt idx="64">
+                  <c:v>-24</c:v>
+                </c:pt>
+                <c:pt idx="65">
+                  <c:v>-25</c:v>
+                </c:pt>
+                <c:pt idx="66">
+                  <c:v>-26</c:v>
+                </c:pt>
+                <c:pt idx="67">
+                  <c:v>-27</c:v>
+                </c:pt>
+                <c:pt idx="68">
+                  <c:v>-28</c:v>
+                </c:pt>
+                <c:pt idx="69">
+                  <c:v>-29</c:v>
+                </c:pt>
+                <c:pt idx="70">
+                  <c:v>-30</c:v>
+                </c:pt>
+                <c:pt idx="71">
+                  <c:v>-31</c:v>
+                </c:pt>
+                <c:pt idx="72">
+                  <c:v>-32</c:v>
+                </c:pt>
+                <c:pt idx="73">
+                  <c:v>-33</c:v>
+                </c:pt>
+                <c:pt idx="74">
+                  <c:v>-34</c:v>
+                </c:pt>
+                <c:pt idx="75">
+                  <c:v>-35</c:v>
+                </c:pt>
+                <c:pt idx="76">
+                  <c:v>-36</c:v>
+                </c:pt>
+                <c:pt idx="77">
+                  <c:v>-37</c:v>
+                </c:pt>
+                <c:pt idx="78">
+                  <c:v>-38</c:v>
+                </c:pt>
+                <c:pt idx="79">
+                  <c:v>-39</c:v>
+                </c:pt>
+                <c:pt idx="80">
+                  <c:v>-40</c:v>
+                </c:pt>
+              </c:numCache>
+            </c:numRef>
+          </c:cat>
+          <c:val>
+            <c:numRef>
+              <c:f>'[Histogramme BBG.xlsx]Feuil1'!$D$2:$D$82</c:f>
+              <c:numCache>
+                <c:formatCode>General</c:formatCode>
+                <c:ptCount val="81"/>
+                <c:pt idx="0">
+                  <c:v>28</c:v>
+                </c:pt>
+                <c:pt idx="1">
+                  <c:v>47</c:v>
+                </c:pt>
+                <c:pt idx="2">
+                  <c:v>61</c:v>
+                </c:pt>
+                <c:pt idx="3">
+                  <c:v>60</c:v>
+                </c:pt>
+                <c:pt idx="4">
+                  <c:v>76</c:v>
+                </c:pt>
+                <c:pt idx="5">
+                  <c:v>87</c:v>
+                </c:pt>
+                <c:pt idx="6">
+                  <c:v>85</c:v>
+                </c:pt>
+                <c:pt idx="7">
+                  <c:v>102</c:v>
+                </c:pt>
+                <c:pt idx="8">
+                  <c:v>117</c:v>
+                </c:pt>
+                <c:pt idx="9">
+                  <c:v>124</c:v>
+                </c:pt>
+                <c:pt idx="10">
+                  <c:v>159</c:v>
+                </c:pt>
+                <c:pt idx="11">
+                  <c:v>141</c:v>
+                </c:pt>
+                <c:pt idx="12">
+                  <c:v>209</c:v>
+                </c:pt>
+                <c:pt idx="13">
+                  <c:v>187</c:v>
+                </c:pt>
+                <c:pt idx="14">
+                  <c:v>273</c:v>
+                </c:pt>
+                <c:pt idx="15">
+                  <c:v>246</c:v>
+                </c:pt>
+                <c:pt idx="16">
+                  <c:v>241</c:v>
+                </c:pt>
+                <c:pt idx="17">
+                  <c:v>311</c:v>
+                </c:pt>
+                <c:pt idx="18">
+                  <c:v>289</c:v>
+                </c:pt>
+                <c:pt idx="19">
+                  <c:v>306</c:v>
+                </c:pt>
+                <c:pt idx="20">
+                  <c:v>343</c:v>
+                </c:pt>
+                <c:pt idx="21">
+                  <c:v>365</c:v>
+                </c:pt>
+                <c:pt idx="22">
+                  <c:v>389</c:v>
+                </c:pt>
+                <c:pt idx="23">
+                  <c:v>402</c:v>
+                </c:pt>
+                <c:pt idx="24">
+                  <c:v>451</c:v>
+                </c:pt>
+                <c:pt idx="25">
+                  <c:v>467</c:v>
+                </c:pt>
+                <c:pt idx="26">
+                  <c:v>477</c:v>
+                </c:pt>
+                <c:pt idx="27">
+                  <c:v>541</c:v>
+                </c:pt>
+                <c:pt idx="28">
+                  <c:v>521</c:v>
+                </c:pt>
+                <c:pt idx="29">
+                  <c:v>558</c:v>
+                </c:pt>
+                <c:pt idx="30">
+                  <c:v>578</c:v>
+                </c:pt>
+                <c:pt idx="31">
+                  <c:v>604</c:v>
+                </c:pt>
+                <c:pt idx="32">
+                  <c:v>656</c:v>
+                </c:pt>
+                <c:pt idx="33">
+                  <c:v>709</c:v>
+                </c:pt>
+                <c:pt idx="34">
+                  <c:v>640</c:v>
+                </c:pt>
+                <c:pt idx="35">
+                  <c:v>653</c:v>
+                </c:pt>
+                <c:pt idx="36">
+                  <c:v>655</c:v>
+                </c:pt>
+                <c:pt idx="37">
+                  <c:v>672</c:v>
+                </c:pt>
+                <c:pt idx="38">
+                  <c:v>712</c:v>
+                </c:pt>
+                <c:pt idx="39">
+                  <c:v>686</c:v>
+                </c:pt>
+                <c:pt idx="40">
+                  <c:v>728</c:v>
+                </c:pt>
+                <c:pt idx="41">
+                  <c:v>696</c:v>
+                </c:pt>
+                <c:pt idx="42">
+                  <c:v>679</c:v>
+                </c:pt>
+                <c:pt idx="43">
+                  <c:v>695</c:v>
+                </c:pt>
+                <c:pt idx="44">
+                  <c:v>655</c:v>
+                </c:pt>
+                <c:pt idx="45">
+                  <c:v>656</c:v>
+                </c:pt>
+                <c:pt idx="46">
+                  <c:v>633</c:v>
+                </c:pt>
+                <c:pt idx="47">
+                  <c:v>621</c:v>
+                </c:pt>
+                <c:pt idx="48">
+                  <c:v>635</c:v>
+                </c:pt>
+                <c:pt idx="49">
+                  <c:v>614</c:v>
+                </c:pt>
+                <c:pt idx="50">
+                  <c:v>598</c:v>
+                </c:pt>
+                <c:pt idx="51">
+                  <c:v>608</c:v>
+                </c:pt>
+                <c:pt idx="52">
+                  <c:v>540</c:v>
+                </c:pt>
+                <c:pt idx="53">
+                  <c:v>492</c:v>
+                </c:pt>
+                <c:pt idx="54">
+                  <c:v>517</c:v>
+                </c:pt>
+                <c:pt idx="55">
+                  <c:v>491</c:v>
+                </c:pt>
+                <c:pt idx="56">
+                  <c:v>499</c:v>
+                </c:pt>
+                <c:pt idx="57">
+                  <c:v>427</c:v>
+                </c:pt>
+                <c:pt idx="58">
+                  <c:v>436</c:v>
+                </c:pt>
+                <c:pt idx="59">
+                  <c:v>378</c:v>
+                </c:pt>
+                <c:pt idx="60">
+                  <c:v>354</c:v>
+                </c:pt>
+                <c:pt idx="61">
+                  <c:v>338</c:v>
+                </c:pt>
+                <c:pt idx="62">
+                  <c:v>309</c:v>
+                </c:pt>
+                <c:pt idx="63">
+                  <c:v>302</c:v>
+                </c:pt>
+                <c:pt idx="64">
+                  <c:v>269</c:v>
+                </c:pt>
+                <c:pt idx="65">
+                  <c:v>234</c:v>
+                </c:pt>
+                <c:pt idx="66">
+                  <c:v>236</c:v>
+                </c:pt>
+                <c:pt idx="67">
+                  <c:v>208</c:v>
+                </c:pt>
+                <c:pt idx="68">
+                  <c:v>218</c:v>
+                </c:pt>
+                <c:pt idx="69">
+                  <c:v>161</c:v>
+                </c:pt>
+                <c:pt idx="70">
+                  <c:v>140</c:v>
+                </c:pt>
+                <c:pt idx="71">
+                  <c:v>122</c:v>
+                </c:pt>
+                <c:pt idx="72">
+                  <c:v>111</c:v>
+                </c:pt>
+                <c:pt idx="73">
+                  <c:v>115</c:v>
+                </c:pt>
+                <c:pt idx="74">
+                  <c:v>90</c:v>
+                </c:pt>
+                <c:pt idx="75">
+                  <c:v>87</c:v>
+                </c:pt>
+                <c:pt idx="76">
+                  <c:v>65</c:v>
+                </c:pt>
+                <c:pt idx="77">
+                  <c:v>59</c:v>
+                </c:pt>
+                <c:pt idx="78">
+                  <c:v>66</c:v>
+                </c:pt>
+                <c:pt idx="79">
+                  <c:v>53</c:v>
+                </c:pt>
+                <c:pt idx="80">
+                  <c:v>41</c:v>
+                </c:pt>
+              </c:numCache>
+            </c:numRef>
+          </c:val>
+          <c:extLst>
+            <c:ext xmlns:c16="http://schemas.microsoft.com/office/drawing/2014/chart" uri="{C3380CC4-5D6E-409C-BE32-E72D297353CC}">
+              <c16:uniqueId val="{00000000-96B8-49B7-B588-5CA82E24E982}"/>
+            </c:ext>
+          </c:extLst>
+        </c:ser>
+        <c:dLbls>
+          <c:showLegendKey val="0"/>
+          <c:showVal val="0"/>
+          <c:showCatName val="0"/>
+          <c:showSerName val="0"/>
+          <c:showPercent val="0"/>
+          <c:showBubbleSize val="0"/>
+        </c:dLbls>
+        <c:gapWidth val="269"/>
+        <c:axId val="945149504"/>
+        <c:axId val="1457762720"/>
+      </c:barChart>
+      <c:lineChart>
+        <c:grouping val="standard"/>
+        <c:varyColors val="0"/>
+        <c:ser>
+          <c:idx val="0"/>
+          <c:order val="0"/>
+          <c:tx>
+            <c:strRef>
+              <c:f>'[Histogramme BBG.xlsx]Feuil1'!$F$1</c:f>
+              <c:strCache>
+                <c:ptCount val="1"/>
+                <c:pt idx="0">
+                  <c:v>N(E=0,sigma=16,88)</c:v>
+                </c:pt>
+              </c:strCache>
+            </c:strRef>
+          </c:tx>
+          <c:spPr>
+            <a:ln w="38100" cap="rnd">
+              <a:solidFill>
+                <a:schemeClr val="accent1"/>
+              </a:solidFill>
+              <a:round/>
+            </a:ln>
+            <a:effectLst/>
+          </c:spPr>
+          <c:marker>
+            <c:symbol val="none"/>
+          </c:marker>
+          <c:cat>
+            <c:numRef>
+              <c:f>'[Histogramme BBG.xlsx]Feuil1'!$C$2:$C$82</c:f>
+              <c:numCache>
+                <c:formatCode>0.00</c:formatCode>
+                <c:ptCount val="81"/>
+                <c:pt idx="0">
+                  <c:v>40</c:v>
+                </c:pt>
+                <c:pt idx="1">
+                  <c:v>39</c:v>
+                </c:pt>
+                <c:pt idx="2">
+                  <c:v>38</c:v>
+                </c:pt>
+                <c:pt idx="3">
+                  <c:v>37</c:v>
+                </c:pt>
+                <c:pt idx="4">
+                  <c:v>36</c:v>
+                </c:pt>
+                <c:pt idx="5">
+                  <c:v>35</c:v>
+                </c:pt>
+                <c:pt idx="6">
+                  <c:v>34</c:v>
+                </c:pt>
+                <c:pt idx="7">
+                  <c:v>33</c:v>
+                </c:pt>
+                <c:pt idx="8">
+                  <c:v>32</c:v>
+                </c:pt>
+                <c:pt idx="9">
+                  <c:v>31</c:v>
+                </c:pt>
+                <c:pt idx="10">
+                  <c:v>30</c:v>
+                </c:pt>
+                <c:pt idx="11">
+                  <c:v>29</c:v>
+                </c:pt>
+                <c:pt idx="12">
+                  <c:v>28</c:v>
+                </c:pt>
+                <c:pt idx="13">
+                  <c:v>27</c:v>
+                </c:pt>
+                <c:pt idx="14">
+                  <c:v>26</c:v>
+                </c:pt>
+                <c:pt idx="15">
+                  <c:v>25</c:v>
+                </c:pt>
+                <c:pt idx="16">
+                  <c:v>24</c:v>
+                </c:pt>
+                <c:pt idx="17">
+                  <c:v>23</c:v>
+                </c:pt>
+                <c:pt idx="18">
+                  <c:v>22</c:v>
+                </c:pt>
+                <c:pt idx="19">
+                  <c:v>21</c:v>
+                </c:pt>
+                <c:pt idx="20">
+                  <c:v>20</c:v>
+                </c:pt>
+                <c:pt idx="21">
+                  <c:v>19</c:v>
+                </c:pt>
+                <c:pt idx="22">
+                  <c:v>18</c:v>
+                </c:pt>
+                <c:pt idx="23">
+                  <c:v>17</c:v>
+                </c:pt>
+                <c:pt idx="24">
+                  <c:v>16</c:v>
+                </c:pt>
+                <c:pt idx="25">
+                  <c:v>15</c:v>
+                </c:pt>
+                <c:pt idx="26">
+                  <c:v>14</c:v>
+                </c:pt>
+                <c:pt idx="27">
+                  <c:v>13</c:v>
+                </c:pt>
+                <c:pt idx="28">
+                  <c:v>12</c:v>
+                </c:pt>
+                <c:pt idx="29">
+                  <c:v>11</c:v>
+                </c:pt>
+                <c:pt idx="30">
+                  <c:v>10</c:v>
+                </c:pt>
+                <c:pt idx="31">
+                  <c:v>9</c:v>
+                </c:pt>
+                <c:pt idx="32">
+                  <c:v>8</c:v>
+                </c:pt>
+                <c:pt idx="33">
+                  <c:v>7</c:v>
+                </c:pt>
+                <c:pt idx="34">
+                  <c:v>6</c:v>
+                </c:pt>
+                <c:pt idx="35">
+                  <c:v>5</c:v>
+                </c:pt>
+                <c:pt idx="36">
+                  <c:v>4</c:v>
+                </c:pt>
+                <c:pt idx="37">
+                  <c:v>3</c:v>
+                </c:pt>
+                <c:pt idx="38">
+                  <c:v>2</c:v>
+                </c:pt>
+                <c:pt idx="39">
+                  <c:v>1</c:v>
+                </c:pt>
+                <c:pt idx="40">
+                  <c:v>0</c:v>
+                </c:pt>
+                <c:pt idx="41">
+                  <c:v>-1</c:v>
+                </c:pt>
+                <c:pt idx="42">
+                  <c:v>-2</c:v>
+                </c:pt>
+                <c:pt idx="43">
+                  <c:v>-3</c:v>
+                </c:pt>
+                <c:pt idx="44">
+                  <c:v>-4</c:v>
+                </c:pt>
+                <c:pt idx="45">
+                  <c:v>-5</c:v>
+                </c:pt>
+                <c:pt idx="46">
+                  <c:v>-6</c:v>
+                </c:pt>
+                <c:pt idx="47">
+                  <c:v>-7</c:v>
+                </c:pt>
+                <c:pt idx="48">
+                  <c:v>-8</c:v>
+                </c:pt>
+                <c:pt idx="49">
+                  <c:v>-9</c:v>
+                </c:pt>
+                <c:pt idx="50">
+                  <c:v>-10</c:v>
+                </c:pt>
+                <c:pt idx="51">
+                  <c:v>-11</c:v>
+                </c:pt>
+                <c:pt idx="52">
+                  <c:v>-12</c:v>
+                </c:pt>
+                <c:pt idx="53">
+                  <c:v>-13</c:v>
+                </c:pt>
+                <c:pt idx="54">
+                  <c:v>-14</c:v>
+                </c:pt>
+                <c:pt idx="55">
+                  <c:v>-15</c:v>
+                </c:pt>
+                <c:pt idx="56">
+                  <c:v>-16</c:v>
+                </c:pt>
+                <c:pt idx="57">
+                  <c:v>-17</c:v>
+                </c:pt>
+                <c:pt idx="58">
+                  <c:v>-18</c:v>
+                </c:pt>
+                <c:pt idx="59">
+                  <c:v>-19</c:v>
+                </c:pt>
+                <c:pt idx="60">
+                  <c:v>-20</c:v>
+                </c:pt>
+                <c:pt idx="61">
+                  <c:v>-21</c:v>
+                </c:pt>
+                <c:pt idx="62">
+                  <c:v>-22</c:v>
+                </c:pt>
+                <c:pt idx="63">
+                  <c:v>-23</c:v>
+                </c:pt>
+                <c:pt idx="64">
+                  <c:v>-24</c:v>
+                </c:pt>
+                <c:pt idx="65">
+                  <c:v>-25</c:v>
+                </c:pt>
+                <c:pt idx="66">
+                  <c:v>-26</c:v>
+                </c:pt>
+                <c:pt idx="67">
+                  <c:v>-27</c:v>
+                </c:pt>
+                <c:pt idx="68">
+                  <c:v>-28</c:v>
+                </c:pt>
+                <c:pt idx="69">
+                  <c:v>-29</c:v>
+                </c:pt>
+                <c:pt idx="70">
+                  <c:v>-30</c:v>
+                </c:pt>
+                <c:pt idx="71">
+                  <c:v>-31</c:v>
+                </c:pt>
+                <c:pt idx="72">
+                  <c:v>-32</c:v>
+                </c:pt>
+                <c:pt idx="73">
+                  <c:v>-33</c:v>
+                </c:pt>
+                <c:pt idx="74">
+                  <c:v>-34</c:v>
+                </c:pt>
+                <c:pt idx="75">
+                  <c:v>-35</c:v>
+                </c:pt>
+                <c:pt idx="76">
+                  <c:v>-36</c:v>
+                </c:pt>
+                <c:pt idx="77">
+                  <c:v>-37</c:v>
+                </c:pt>
+                <c:pt idx="78">
+                  <c:v>-38</c:v>
+                </c:pt>
+                <c:pt idx="79">
+                  <c:v>-39</c:v>
+                </c:pt>
+                <c:pt idx="80">
+                  <c:v>-40</c:v>
+                </c:pt>
+              </c:numCache>
+            </c:numRef>
+          </c:cat>
+          <c:val>
+            <c:numRef>
+              <c:f>'[Histogramme BBG.xlsx]Feuil1'!$F$2:$F$82</c:f>
+              <c:numCache>
+                <c:formatCode>General</c:formatCode>
+                <c:ptCount val="81"/>
+                <c:pt idx="0">
+                  <c:v>1.4269718439683106E-3</c:v>
+                </c:pt>
+                <c:pt idx="1">
+                  <c:v>1.6391062091744041E-3</c:v>
+                </c:pt>
+                <c:pt idx="2">
+                  <c:v>1.8761819204864999E-3</c:v>
+                </c:pt>
+                <c:pt idx="3">
+                  <c:v>2.1400255453526682E-3</c:v>
+                </c:pt>
+                <c:pt idx="4">
+                  <c:v>2.4324231503866159E-3</c:v>
+                </c:pt>
+                <c:pt idx="5">
+                  <c:v>2.7550878938049431E-3</c:v>
+                </c:pt>
+                <c:pt idx="6">
+                  <c:v>3.109624493569549E-3</c:v>
+                </c:pt>
+                <c:pt idx="7">
+                  <c:v>3.497490940088002E-3</c:v>
+                </c:pt>
+                <c:pt idx="8">
+                  <c:v>3.919957943692088E-3</c:v>
+                </c:pt>
+                <c:pt idx="9">
+                  <c:v>4.378066729962239E-3</c:v>
+                </c:pt>
+                <c:pt idx="10">
+                  <c:v>4.872585916381544E-3</c:v>
+                </c:pt>
+                <c:pt idx="11">
+                  <c:v>5.4039683174649245E-3</c:v>
+                </c:pt>
+                <c:pt idx="12">
+                  <c:v>5.9723086278059738E-3</c:v>
+                </c:pt>
+                <c:pt idx="13">
+                  <c:v>6.5773030186699888E-3</c:v>
+                </c:pt>
+                <c:pt idx="14">
+                  <c:v>7.2182117491317692E-3</c:v>
+                </c:pt>
+                <c:pt idx="15">
+                  <c:v>7.893825932842163E-3</c:v>
+                </c:pt>
+                <c:pt idx="16">
+                  <c:v>8.6024396122821815E-3</c:v>
+                </c:pt>
+                <c:pt idx="17">
+                  <c:v>9.3418282704549119E-3</c:v>
+                </c:pt>
+                <c:pt idx="18">
+                  <c:v>1.0109234852856317E-2</c:v>
+                </c:pt>
+                <c:pt idx="19">
+                  <c:v>1.0901364278780395E-2</c:v>
+                </c:pt>
+                <c:pt idx="20">
+                  <c:v>1.1714387290277458E-2</c:v>
+                </c:pt>
+                <c:pt idx="21">
+                  <c:v>1.2543954320441079E-2</c:v>
+                </c:pt>
+                <c:pt idx="22">
+                  <c:v>1.3385219862590505E-2</c:v>
+                </c:pt>
+                <c:pt idx="23">
+                  <c:v>1.423287759219442E-2</c:v>
+                </c:pt>
+                <c:pt idx="24">
+                  <c:v>1.5081206239277499E-2</c:v>
+                </c:pt>
+                <c:pt idx="25">
+                  <c:v>1.5924125937060413E-2</c:v>
+                </c:pt>
+                <c:pt idx="26">
+                  <c:v>1.6755264490309944E-2</c:v>
+                </c:pt>
+                <c:pt idx="27">
+                  <c:v>1.7568032722799196E-2</c:v>
+                </c:pt>
+                <c:pt idx="28">
+                  <c:v>1.8355707786480449E-2</c:v>
+                </c:pt>
+                <c:pt idx="29">
+                  <c:v>1.9111523054814426E-2</c:v>
+                </c:pt>
+                <c:pt idx="30">
+                  <c:v>1.9828762988465108E-2</c:v>
+                </c:pt>
+                <c:pt idx="31">
+                  <c:v>2.0500861162099072E-2</c:v>
+                </c:pt>
+                <c:pt idx="32">
+                  <c:v>2.112149948435034E-2</c:v>
+                </c:pt>
+                <c:pt idx="33">
+                  <c:v>2.1684706535985743E-2</c:v>
+                </c:pt>
+                <c:pt idx="34">
+                  <c:v>2.2184952899307383E-2</c:v>
+                </c:pt>
+                <c:pt idx="35">
+                  <c:v>2.2617241358479555E-2</c:v>
+                </c:pt>
+                <c:pt idx="36">
+                  <c:v>2.2977189917431737E-2</c:v>
+                </c:pt>
+                <c:pt idx="37">
+                  <c:v>2.3261105708847062E-2</c:v>
+                </c:pt>
+                <c:pt idx="38">
+                  <c:v>2.3466048051948751E-2</c:v>
+                </c:pt>
+                <c:pt idx="39">
+                  <c:v>2.358987915371687E-2</c:v>
+                </c:pt>
+                <c:pt idx="40">
+                  <c:v>2.36313012312287E-2</c:v>
+                </c:pt>
+                <c:pt idx="41">
+                  <c:v>2.358987915371687E-2</c:v>
+                </c:pt>
+                <c:pt idx="42">
+                  <c:v>2.3466048051948751E-2</c:v>
+                </c:pt>
+                <c:pt idx="43">
+                  <c:v>2.3261105708847062E-2</c:v>
+                </c:pt>
+                <c:pt idx="44">
+                  <c:v>2.2977189917431737E-2</c:v>
+                </c:pt>
+                <c:pt idx="45">
+                  <c:v>2.2617241358479555E-2</c:v>
+                </c:pt>
+                <c:pt idx="46">
+                  <c:v>2.2184952899307383E-2</c:v>
+                </c:pt>
+                <c:pt idx="47">
+                  <c:v>2.1684706535985743E-2</c:v>
+                </c:pt>
+                <c:pt idx="48">
+                  <c:v>2.112149948435034E-2</c:v>
+                </c:pt>
+                <c:pt idx="49">
+                  <c:v>2.0500861162099072E-2</c:v>
+                </c:pt>
+                <c:pt idx="50">
+                  <c:v>1.9828762988465108E-2</c:v>
+                </c:pt>
+                <c:pt idx="51">
+                  <c:v>1.9111523054814426E-2</c:v>
+                </c:pt>
+                <c:pt idx="52">
+                  <c:v>1.8355707786480449E-2</c:v>
+                </c:pt>
+                <c:pt idx="53">
+                  <c:v>1.7568032722799196E-2</c:v>
+                </c:pt>
+                <c:pt idx="54">
+                  <c:v>1.6755264490309944E-2</c:v>
+                </c:pt>
+                <c:pt idx="55">
+                  <c:v>1.5924125937060413E-2</c:v>
+                </c:pt>
+                <c:pt idx="56">
+                  <c:v>1.5081206239277499E-2</c:v>
+                </c:pt>
+                <c:pt idx="57">
+                  <c:v>1.423287759219442E-2</c:v>
+                </c:pt>
+                <c:pt idx="58">
+                  <c:v>1.3385219862590505E-2</c:v>
+                </c:pt>
+                <c:pt idx="59">
+                  <c:v>1.2543954320441079E-2</c:v>
+                </c:pt>
+                <c:pt idx="60">
+                  <c:v>1.1714387290277458E-2</c:v>
+                </c:pt>
+                <c:pt idx="61">
+                  <c:v>1.0901364278780395E-2</c:v>
+                </c:pt>
+                <c:pt idx="62">
+                  <c:v>1.0109234852856317E-2</c:v>
+                </c:pt>
+                <c:pt idx="63">
+                  <c:v>9.3418282704549119E-3</c:v>
+                </c:pt>
+                <c:pt idx="64">
+                  <c:v>8.6024396122821815E-3</c:v>
+                </c:pt>
+                <c:pt idx="65">
+                  <c:v>7.893825932842163E-3</c:v>
+                </c:pt>
+                <c:pt idx="66">
+                  <c:v>7.2182117491317692E-3</c:v>
+                </c:pt>
+                <c:pt idx="67">
+                  <c:v>6.5773030186699888E-3</c:v>
+                </c:pt>
+                <c:pt idx="68">
+                  <c:v>5.9723086278059738E-3</c:v>
+                </c:pt>
+                <c:pt idx="69">
+                  <c:v>5.4039683174649245E-3</c:v>
+                </c:pt>
+                <c:pt idx="70">
+                  <c:v>4.872585916381544E-3</c:v>
+                </c:pt>
+                <c:pt idx="71">
+                  <c:v>4.378066729962239E-3</c:v>
+                </c:pt>
+                <c:pt idx="72">
+                  <c:v>3.919957943692088E-3</c:v>
+                </c:pt>
+                <c:pt idx="73">
+                  <c:v>3.497490940088002E-3</c:v>
+                </c:pt>
+                <c:pt idx="74">
+                  <c:v>3.109624493569549E-3</c:v>
+                </c:pt>
+                <c:pt idx="75">
+                  <c:v>2.7550878938049431E-3</c:v>
+                </c:pt>
+                <c:pt idx="76">
+                  <c:v>2.4324231503866159E-3</c:v>
+                </c:pt>
+                <c:pt idx="77">
+                  <c:v>2.1400255453526682E-3</c:v>
+                </c:pt>
+                <c:pt idx="78">
+                  <c:v>1.8761819204864999E-3</c:v>
+                </c:pt>
+                <c:pt idx="79">
+                  <c:v>1.6391062091744041E-3</c:v>
+                </c:pt>
+                <c:pt idx="80">
+                  <c:v>1.4269718439683106E-3</c:v>
+                </c:pt>
+              </c:numCache>
+            </c:numRef>
+          </c:val>
+          <c:smooth val="0"/>
+          <c:extLst>
+            <c:ext xmlns:c16="http://schemas.microsoft.com/office/drawing/2014/chart" uri="{C3380CC4-5D6E-409C-BE32-E72D297353CC}">
+              <c16:uniqueId val="{00000001-96B8-49B7-B588-5CA82E24E982}"/>
+            </c:ext>
+          </c:extLst>
+        </c:ser>
+        <c:dLbls>
+          <c:showLegendKey val="0"/>
+          <c:showVal val="0"/>
+          <c:showCatName val="0"/>
+          <c:showSerName val="0"/>
+          <c:showPercent val="0"/>
+          <c:showBubbleSize val="0"/>
+        </c:dLbls>
+        <c:marker val="1"/>
+        <c:smooth val="0"/>
+        <c:axId val="945157904"/>
+        <c:axId val="1457774368"/>
+      </c:lineChart>
+      <c:catAx>
+        <c:axId val="945149504"/>
+        <c:scaling>
+          <c:orientation val="minMax"/>
+        </c:scaling>
+        <c:delete val="0"/>
+        <c:axPos val="b"/>
+        <c:title>
+          <c:tx>
+            <c:rich>
+              <a:bodyPr rot="0" spcFirstLastPara="1" vertOverflow="ellipsis" vert="horz" wrap="square" anchor="ctr" anchorCtr="1"/>
+              <a:lstStyle/>
+              <a:p>
+                <a:pPr>
+                  <a:defRPr sz="900" b="0" i="0" u="none" strike="noStrike" kern="1200" cap="all" baseline="0">
+                    <a:solidFill>
+                      <a:schemeClr val="tx1">
+                        <a:lumMod val="65000"/>
+                        <a:lumOff val="35000"/>
+                      </a:schemeClr>
+                    </a:solidFill>
+                    <a:latin typeface="+mn-lt"/>
+                    <a:ea typeface="+mn-ea"/>
+                    <a:cs typeface="+mn-cs"/>
+                  </a:defRPr>
+                </a:pPr>
+                <a:r>
+                  <a:rPr lang="fr-FR"/>
+                  <a:t>Catégorie d'amplitude</a:t>
+                </a:r>
+              </a:p>
+            </c:rich>
+          </c:tx>
+          <c:overlay val="0"/>
+          <c:spPr>
+            <a:noFill/>
+            <a:ln>
+              <a:noFill/>
+            </a:ln>
+            <a:effectLst/>
+          </c:spPr>
+          <c:txPr>
+            <a:bodyPr rot="0" spcFirstLastPara="1" vertOverflow="ellipsis" vert="horz" wrap="square" anchor="ctr" anchorCtr="1"/>
+            <a:lstStyle/>
+            <a:p>
+              <a:pPr>
+                <a:defRPr sz="900" b="0" i="0" u="none" strike="noStrike" kern="1200" cap="all" baseline="0">
+                  <a:solidFill>
+                    <a:schemeClr val="tx1">
+                      <a:lumMod val="65000"/>
+                      <a:lumOff val="35000"/>
+                    </a:schemeClr>
+                  </a:solidFill>
+                  <a:latin typeface="+mn-lt"/>
+                  <a:ea typeface="+mn-ea"/>
+                  <a:cs typeface="+mn-cs"/>
+                </a:defRPr>
+              </a:pPr>
+              <a:endParaRPr lang="fr-FR"/>
+            </a:p>
+          </c:txPr>
+        </c:title>
+        <c:numFmt formatCode="0.00" sourceLinked="1"/>
+        <c:majorTickMark val="out"/>
+        <c:minorTickMark val="none"/>
+        <c:tickLblPos val="nextTo"/>
+        <c:spPr>
+          <a:noFill/>
+          <a:ln w="9525" cap="flat" cmpd="sng" algn="ctr">
+            <a:solidFill>
+              <a:schemeClr val="tx1">
+                <a:lumMod val="15000"/>
+                <a:lumOff val="85000"/>
+              </a:schemeClr>
+            </a:solidFill>
+            <a:round/>
+          </a:ln>
+          <a:effectLst/>
+        </c:spPr>
+        <c:txPr>
+          <a:bodyPr rot="-60000000" spcFirstLastPara="1" vertOverflow="ellipsis" vert="horz" wrap="square" anchor="ctr" anchorCtr="1"/>
+          <a:lstStyle/>
+          <a:p>
+            <a:pPr>
+              <a:defRPr sz="900" b="0" i="0" u="none" strike="noStrike" kern="1200" cap="none" spc="0" normalizeH="0" baseline="0">
+                <a:solidFill>
+                  <a:schemeClr val="tx1">
+                    <a:lumMod val="65000"/>
+                    <a:lumOff val="35000"/>
+                  </a:schemeClr>
+                </a:solidFill>
+                <a:latin typeface="+mn-lt"/>
+                <a:ea typeface="+mn-ea"/>
+                <a:cs typeface="+mn-cs"/>
+              </a:defRPr>
+            </a:pPr>
+            <a:endParaRPr lang="fr-FR"/>
+          </a:p>
+        </c:txPr>
+        <c:crossAx val="1457762720"/>
+        <c:crosses val="autoZero"/>
+        <c:auto val="1"/>
+        <c:lblAlgn val="ctr"/>
+        <c:lblOffset val="100"/>
+        <c:noMultiLvlLbl val="0"/>
+      </c:catAx>
+      <c:valAx>
+        <c:axId val="1457762720"/>
+        <c:scaling>
+          <c:orientation val="minMax"/>
+        </c:scaling>
+        <c:delete val="0"/>
+        <c:axPos val="l"/>
+        <c:majorGridlines>
+          <c:spPr>
+            <a:ln w="9525" cap="flat" cmpd="sng" algn="ctr">
+              <a:solidFill>
+                <a:schemeClr val="tx1">
+                  <a:lumMod val="15000"/>
+                  <a:lumOff val="85000"/>
+                </a:schemeClr>
+              </a:solidFill>
+              <a:round/>
+            </a:ln>
+            <a:effectLst/>
+          </c:spPr>
+        </c:majorGridlines>
+        <c:minorGridlines>
+          <c:spPr>
+            <a:ln w="9525" cap="flat" cmpd="sng" algn="ctr">
+              <a:solidFill>
+                <a:schemeClr val="tx1">
+                  <a:lumMod val="5000"/>
+                  <a:lumOff val="95000"/>
+                </a:schemeClr>
+              </a:solidFill>
+              <a:round/>
+            </a:ln>
+            <a:effectLst/>
+          </c:spPr>
+        </c:minorGridlines>
+        <c:title>
+          <c:tx>
+            <c:rich>
+              <a:bodyPr rot="-5400000" spcFirstLastPara="1" vertOverflow="ellipsis" vert="horz" wrap="square" anchor="ctr" anchorCtr="1"/>
+              <a:lstStyle/>
+              <a:p>
+                <a:pPr>
+                  <a:defRPr sz="900" b="0" i="0" u="none" strike="noStrike" kern="1200" cap="all" baseline="0">
+                    <a:solidFill>
+                      <a:schemeClr val="tx1">
+                        <a:lumMod val="65000"/>
+                        <a:lumOff val="35000"/>
+                      </a:schemeClr>
+                    </a:solidFill>
+                    <a:latin typeface="+mn-lt"/>
+                    <a:ea typeface="+mn-ea"/>
+                    <a:cs typeface="+mn-cs"/>
+                  </a:defRPr>
+                </a:pPr>
+                <a:r>
+                  <a:rPr lang="fr-FR" b="1" dirty="0"/>
+                  <a:t>Nombre de valeur dans la catégorie</a:t>
+                </a:r>
+              </a:p>
+            </c:rich>
+          </c:tx>
+          <c:overlay val="0"/>
+          <c:spPr>
+            <a:noFill/>
+            <a:ln>
+              <a:noFill/>
+            </a:ln>
+            <a:effectLst/>
+          </c:spPr>
+          <c:txPr>
+            <a:bodyPr rot="-5400000" spcFirstLastPara="1" vertOverflow="ellipsis" vert="horz" wrap="square" anchor="ctr" anchorCtr="1"/>
+            <a:lstStyle/>
+            <a:p>
+              <a:pPr>
+                <a:defRPr sz="900" b="0" i="0" u="none" strike="noStrike" kern="1200" cap="all" baseline="0">
+                  <a:solidFill>
+                    <a:schemeClr val="tx1">
+                      <a:lumMod val="65000"/>
+                      <a:lumOff val="35000"/>
+                    </a:schemeClr>
+                  </a:solidFill>
+                  <a:latin typeface="+mn-lt"/>
+                  <a:ea typeface="+mn-ea"/>
+                  <a:cs typeface="+mn-cs"/>
+                </a:defRPr>
+              </a:pPr>
+              <a:endParaRPr lang="fr-FR"/>
+            </a:p>
+          </c:txPr>
+        </c:title>
+        <c:numFmt formatCode="General" sourceLinked="1"/>
+        <c:majorTickMark val="none"/>
+        <c:minorTickMark val="none"/>
+        <c:tickLblPos val="nextTo"/>
+        <c:spPr>
+          <a:noFill/>
+          <a:ln>
+            <a:noFill/>
+          </a:ln>
+          <a:effectLst/>
+        </c:spPr>
+        <c:txPr>
+          <a:bodyPr rot="-60000000" spcFirstLastPara="1" vertOverflow="ellipsis" vert="horz" wrap="square" anchor="ctr" anchorCtr="1"/>
+          <a:lstStyle/>
+          <a:p>
+            <a:pPr>
+              <a:defRPr sz="900" b="0" i="0" u="none" strike="noStrike" kern="1200" baseline="0">
+                <a:solidFill>
+                  <a:schemeClr val="tx1">
+                    <a:lumMod val="65000"/>
+                    <a:lumOff val="35000"/>
+                  </a:schemeClr>
+                </a:solidFill>
+                <a:latin typeface="+mn-lt"/>
+                <a:ea typeface="+mn-ea"/>
+                <a:cs typeface="+mn-cs"/>
+              </a:defRPr>
+            </a:pPr>
+            <a:endParaRPr lang="fr-FR"/>
+          </a:p>
+        </c:txPr>
+        <c:crossAx val="945149504"/>
+        <c:crosses val="autoZero"/>
+        <c:crossBetween val="between"/>
+      </c:valAx>
+      <c:valAx>
+        <c:axId val="1457774368"/>
+        <c:scaling>
+          <c:orientation val="minMax"/>
+        </c:scaling>
+        <c:delete val="0"/>
+        <c:axPos val="r"/>
+        <c:title>
+          <c:tx>
+            <c:rich>
+              <a:bodyPr rot="-5400000" spcFirstLastPara="1" vertOverflow="ellipsis" vert="horz" wrap="square" anchor="ctr" anchorCtr="1"/>
+              <a:lstStyle/>
+              <a:p>
+                <a:pPr>
+                  <a:defRPr sz="900" b="0" i="0" u="none" strike="noStrike" kern="1200" cap="all" baseline="0">
+                    <a:solidFill>
+                      <a:schemeClr val="tx1">
+                        <a:lumMod val="65000"/>
+                        <a:lumOff val="35000"/>
+                      </a:schemeClr>
+                    </a:solidFill>
+                    <a:latin typeface="+mn-lt"/>
+                    <a:ea typeface="+mn-ea"/>
+                    <a:cs typeface="+mn-cs"/>
+                  </a:defRPr>
+                </a:pPr>
+                <a:r>
+                  <a:rPr lang="fr-FR" b="1" dirty="0"/>
+                  <a:t>densité de probabilité (loi normale)</a:t>
+                </a:r>
+              </a:p>
+            </c:rich>
+          </c:tx>
+          <c:overlay val="0"/>
+          <c:spPr>
+            <a:noFill/>
+            <a:ln>
+              <a:noFill/>
+            </a:ln>
+            <a:effectLst/>
+          </c:spPr>
+          <c:txPr>
+            <a:bodyPr rot="-5400000" spcFirstLastPara="1" vertOverflow="ellipsis" vert="horz" wrap="square" anchor="ctr" anchorCtr="1"/>
+            <a:lstStyle/>
+            <a:p>
+              <a:pPr>
+                <a:defRPr sz="900" b="0" i="0" u="none" strike="noStrike" kern="1200" cap="all" baseline="0">
+                  <a:solidFill>
+                    <a:schemeClr val="tx1">
+                      <a:lumMod val="65000"/>
+                      <a:lumOff val="35000"/>
+                    </a:schemeClr>
+                  </a:solidFill>
+                  <a:latin typeface="+mn-lt"/>
+                  <a:ea typeface="+mn-ea"/>
+                  <a:cs typeface="+mn-cs"/>
+                </a:defRPr>
+              </a:pPr>
+              <a:endParaRPr lang="fr-FR"/>
+            </a:p>
+          </c:txPr>
+        </c:title>
+        <c:numFmt formatCode="General" sourceLinked="1"/>
+        <c:majorTickMark val="none"/>
+        <c:minorTickMark val="none"/>
+        <c:tickLblPos val="nextTo"/>
+        <c:spPr>
+          <a:noFill/>
+          <a:ln>
+            <a:noFill/>
+          </a:ln>
+          <a:effectLst/>
+        </c:spPr>
+        <c:txPr>
+          <a:bodyPr rot="-60000000" spcFirstLastPara="1" vertOverflow="ellipsis" vert="horz" wrap="square" anchor="ctr" anchorCtr="1"/>
+          <a:lstStyle/>
+          <a:p>
+            <a:pPr>
+              <a:defRPr sz="900" b="0" i="0" u="none" strike="noStrike" kern="1200" baseline="0">
+                <a:solidFill>
+                  <a:schemeClr val="tx1">
+                    <a:lumMod val="65000"/>
+                    <a:lumOff val="35000"/>
+                  </a:schemeClr>
+                </a:solidFill>
+                <a:latin typeface="+mn-lt"/>
+                <a:ea typeface="+mn-ea"/>
+                <a:cs typeface="+mn-cs"/>
+              </a:defRPr>
+            </a:pPr>
+            <a:endParaRPr lang="fr-FR"/>
+          </a:p>
+        </c:txPr>
+        <c:crossAx val="945157904"/>
+        <c:crosses val="max"/>
+        <c:crossBetween val="between"/>
+      </c:valAx>
+      <c:catAx>
+        <c:axId val="945157904"/>
+        <c:scaling>
+          <c:orientation val="minMax"/>
+        </c:scaling>
+        <c:delete val="1"/>
+        <c:axPos val="b"/>
+        <c:numFmt formatCode="0.00" sourceLinked="1"/>
+        <c:majorTickMark val="out"/>
+        <c:minorTickMark val="none"/>
+        <c:tickLblPos val="nextTo"/>
+        <c:crossAx val="1457774368"/>
+        <c:crosses val="autoZero"/>
+        <c:auto val="1"/>
+        <c:lblAlgn val="ctr"/>
+        <c:lblOffset val="100"/>
+        <c:noMultiLvlLbl val="0"/>
+      </c:catAx>
+      <c:spPr>
+        <a:noFill/>
+        <a:ln>
+          <a:noFill/>
+        </a:ln>
+        <a:effectLst/>
+      </c:spPr>
+    </c:plotArea>
+    <c:legend>
+      <c:legendPos val="t"/>
+      <c:overlay val="0"/>
+      <c:spPr>
+        <a:noFill/>
+        <a:ln>
+          <a:noFill/>
+        </a:ln>
+        <a:effectLst/>
+      </c:spPr>
+      <c:txPr>
+        <a:bodyPr rot="0" spcFirstLastPara="1" vertOverflow="ellipsis" vert="horz" wrap="square" anchor="ctr" anchorCtr="1"/>
+        <a:lstStyle/>
+        <a:p>
+          <a:pPr>
+            <a:defRPr sz="900" b="0" i="0" u="none" strike="noStrike" kern="1200" baseline="0">
+              <a:solidFill>
+                <a:schemeClr val="tx1">
+                  <a:lumMod val="65000"/>
+                  <a:lumOff val="35000"/>
+                </a:schemeClr>
+              </a:solidFill>
+              <a:latin typeface="+mn-lt"/>
+              <a:ea typeface="+mn-ea"/>
+              <a:cs typeface="+mn-cs"/>
+            </a:defRPr>
+          </a:pPr>
+          <a:endParaRPr lang="fr-FR"/>
+        </a:p>
+      </c:txPr>
+    </c:legend>
+    <c:plotVisOnly val="1"/>
+    <c:dispBlanksAs val="gap"/>
+    <c:extLst>
+      <c:ext xmlns:c16r3="http://schemas.microsoft.com/office/drawing/2017/03/chart" uri="{56B9EC1D-385E-4148-901F-78D8002777C0}">
+        <c16r3:dataDisplayOptions16>
+          <c16r3:dispNaAsBlank val="1"/>
+        </c16r3:dataDisplayOptions16>
+      </c:ext>
+    </c:extLst>
+    <c:showDLblsOverMax val="0"/>
+  </c:chart>
+  <c:spPr>
+    <a:noFill/>
+    <a:ln>
+      <a:noFill/>
+    </a:ln>
+    <a:effectLst/>
+  </c:spPr>
+  <c:txPr>
+    <a:bodyPr/>
+    <a:lstStyle/>
+    <a:p>
+      <a:pPr>
+        <a:defRPr/>
+      </a:pPr>
+      <a:endParaRPr lang="fr-FR"/>
+    </a:p>
+  </c:txPr>
+  <c:externalData r:id="rId3">
+    <c:autoUpdate val="0"/>
+  </c:externalData>
+</c:chartSpace>
+</file>
+
+<file path=ppt/charts/colors1.xml><?xml version="1.0" encoding="utf-8"?>
+<cs:colorStyle xmlns:cs="http://schemas.microsoft.com/office/drawing/2012/chartStyle" xmlns:a="http://schemas.openxmlformats.org/drawingml/2006/main" meth="cycle" id="10">
+  <a:schemeClr val="accent1"/>
+  <a:schemeClr val="accent2"/>
+  <a:schemeClr val="accent3"/>
+  <a:schemeClr val="accent4"/>
+  <a:schemeClr val="accent5"/>
+  <a:schemeClr val="accent6"/>
+  <cs:variation/>
+  <cs:variation>
+    <a:lumMod val="60000"/>
+  </cs:variation>
+  <cs:variation>
+    <a:lumMod val="80000"/>
+    <a:lumOff val="20000"/>
+  </cs:variation>
+  <cs:variation>
+    <a:lumMod val="80000"/>
+  </cs:variation>
+  <cs:variation>
+    <a:lumMod val="60000"/>
+    <a:lumOff val="40000"/>
+  </cs:variation>
+  <cs:variation>
+    <a:lumMod val="50000"/>
+  </cs:variation>
+  <cs:variation>
+    <a:lumMod val="70000"/>
+    <a:lumOff val="30000"/>
+  </cs:variation>
+  <cs:variation>
+    <a:lumMod val="70000"/>
+  </cs:variation>
+  <cs:variation>
+    <a:lumMod val="50000"/>
+    <a:lumOff val="50000"/>
+  </cs:variation>
+</cs:colorStyle>
+</file>
+
+<file path=ppt/charts/style1.xml><?xml version="1.0" encoding="utf-8"?>
+<cs:chartStyle xmlns:cs="http://schemas.microsoft.com/office/drawing/2012/chartStyle" xmlns:a="http://schemas.openxmlformats.org/drawingml/2006/main" id="225">
+  <cs:axisTitle>
+    <cs:lnRef idx="0"/>
+    <cs:fillRef idx="0"/>
+    <cs:effectRef idx="0"/>
+    <cs:fontRef idx="minor">
+      <a:schemeClr val="tx1">
+        <a:lumMod val="65000"/>
+        <a:lumOff val="35000"/>
+      </a:schemeClr>
+    </cs:fontRef>
+    <cs:defRPr sz="900" kern="1200" cap="all"/>
+  </cs:axisTitle>
+  <cs:categoryAxis>
+    <cs:lnRef idx="0"/>
+    <cs:fillRef idx="0"/>
+    <cs:effectRef idx="0"/>
+    <cs:fontRef idx="minor">
+      <a:schemeClr val="tx1">
+        <a:lumMod val="65000"/>
+        <a:lumOff val="35000"/>
+      </a:schemeClr>
+    </cs:fontRef>
+    <cs:spPr>
+      <a:ln w="9525" cap="flat" cmpd="sng" algn="ctr">
+        <a:solidFill>
+          <a:schemeClr val="tx1">
+            <a:lumMod val="15000"/>
+            <a:lumOff val="85000"/>
+          </a:schemeClr>
+        </a:solidFill>
+        <a:round/>
+      </a:ln>
+    </cs:spPr>
+    <cs:defRPr sz="900" b="0" kern="1200" cap="none" spc="0" normalizeH="0" baseline="0"/>
+  </cs:categoryAxis>
+  <cs:chartArea mods="allowNoFillOverride allowNoLineOverride">
+    <cs:lnRef idx="0"/>
+    <cs:fillRef idx="0"/>
+    <cs:effectRef idx="0"/>
+    <cs:fontRef idx="minor">
+      <a:schemeClr val="dk1"/>
+    </cs:fontRef>
+    <cs:spPr>
+      <a:solidFill>
+        <a:schemeClr val="bg1"/>
+      </a:solidFill>
+      <a:ln w="9525" cap="flat" cmpd="sng" algn="ctr">
+        <a:solidFill>
+          <a:schemeClr val="tx1">
+            <a:lumMod val="15000"/>
+            <a:lumOff val="85000"/>
+          </a:schemeClr>
+        </a:solidFill>
+        <a:round/>
+      </a:ln>
+    </cs:spPr>
+    <cs:defRPr sz="900" kern="1200"/>
+  </cs:chartArea>
+  <cs:dataLabel>
+    <cs:lnRef idx="0"/>
+    <cs:fillRef idx="0"/>
+    <cs:effectRef idx="0"/>
+    <cs:fontRef idx="minor">
+      <a:schemeClr val="tx1">
+        <a:lumMod val="75000"/>
+        <a:lumOff val="25000"/>
+      </a:schemeClr>
+    </cs:fontRef>
+    <cs:defRPr sz="900" kern="1200"/>
+  </cs:dataLabel>
+  <cs:dataLabelCallout>
+    <cs:lnRef idx="0"/>
+    <cs:fillRef idx="0"/>
+    <cs:effectRef idx="0"/>
+    <cs:fontRef idx="minor">
+      <a:schemeClr val="dk1">
+        <a:lumMod val="75000"/>
+        <a:lumOff val="25000"/>
+      </a:schemeClr>
+    </cs:fontRef>
+    <cs:spPr>
+      <a:solidFill>
+        <a:schemeClr val="dk1">
+          <a:lumMod val="15000"/>
+          <a:lumOff val="85000"/>
+        </a:schemeClr>
+      </a:solidFill>
+    </cs:spPr>
+    <cs:defRPr sz="900" kern="1200"/>
+    <cs:bodyPr rot="0" spcFirstLastPara="1" vertOverflow="clip" horzOverflow="clip" vert="horz" wrap="square" lIns="36576" tIns="18288" rIns="36576" bIns="18288" anchor="ctr" anchorCtr="1">
+      <a:spAutoFit/>
+    </cs:bodyPr>
+  </cs:dataLabelCallout>
+  <cs:dataPoint>
+    <cs:lnRef idx="0"/>
+    <cs:fillRef idx="0">
+      <cs:styleClr val="auto"/>
+    </cs:fillRef>
+    <cs:effectRef idx="0"/>
+    <cs:fontRef idx="minor">
+      <a:schemeClr val="dk1"/>
+    </cs:fontRef>
+    <cs:spPr>
+      <a:solidFill>
+        <a:schemeClr val="phClr"/>
+      </a:solidFill>
+    </cs:spPr>
+  </cs:dataPoint>
+  <cs:dataPoint3D>
+    <cs:lnRef idx="0"/>
+    <cs:fillRef idx="0">
+      <cs:styleClr val="auto"/>
+    </cs:fillRef>
+    <cs:effectRef idx="0"/>
+    <cs:fontRef idx="minor">
+      <a:schemeClr val="dk1"/>
+    </cs:fontRef>
+    <cs:spPr>
+      <a:solidFill>
+        <a:schemeClr val="phClr"/>
+      </a:solidFill>
+    </cs:spPr>
+  </cs:dataPoint3D>
+  <cs:dataPointLine>
+    <cs:lnRef idx="0">
+      <cs:styleClr val="auto"/>
+    </cs:lnRef>
+    <cs:fillRef idx="0"/>
+    <cs:effectRef idx="0"/>
+    <cs:fontRef idx="minor">
+      <a:schemeClr val="dk1"/>
+    </cs:fontRef>
+    <cs:spPr>
+      <a:ln w="38100" cap="rnd">
+        <a:solidFill>
+          <a:schemeClr val="phClr"/>
+        </a:solidFill>
+        <a:round/>
+      </a:ln>
+    </cs:spPr>
+  </cs:dataPointLine>
+  <cs:dataPointMarker>
+    <cs:lnRef idx="0"/>
+    <cs:fillRef idx="0">
+      <cs:styleClr val="auto"/>
+    </cs:fillRef>
+    <cs:effectRef idx="0"/>
+    <cs:fontRef idx="minor">
+      <a:schemeClr val="dk1"/>
+    </cs:fontRef>
+    <cs:spPr>
+      <a:solidFill>
+        <a:schemeClr val="phClr"/>
+      </a:solidFill>
+    </cs:spPr>
+  </cs:dataPointMarker>
+  <cs:dataPointMarkerLayout symbol="circle" size="8"/>
+  <cs:dataPointWireframe>
+    <cs:lnRef idx="0">
+      <cs:styleClr val="auto"/>
+    </cs:lnRef>
+    <cs:fillRef idx="0"/>
+    <cs:effectRef idx="0"/>
+    <cs:fontRef idx="minor">
+      <a:schemeClr val="dk1"/>
+    </cs:fontRef>
+    <cs:spPr>
+      <a:ln w="9525" cap="rnd">
+        <a:solidFill>
+          <a:schemeClr val="phClr"/>
+        </a:solidFill>
+        <a:round/>
+      </a:ln>
+    </cs:spPr>
+  </cs:dataPointWireframe>
+  <cs:dataTable>
+    <cs:lnRef idx="0"/>
+    <cs:fillRef idx="0"/>
+    <cs:effectRef idx="0"/>
+    <cs:fontRef idx="minor">
+      <a:schemeClr val="tx1">
+        <a:lumMod val="65000"/>
+        <a:lumOff val="35000"/>
+      </a:schemeClr>
+    </cs:fontRef>
+    <cs:spPr>
+      <a:ln w="9525">
+        <a:solidFill>
+          <a:schemeClr val="tx1">
+            <a:lumMod val="15000"/>
+            <a:lumOff val="85000"/>
+          </a:schemeClr>
+        </a:solidFill>
+      </a:ln>
+    </cs:spPr>
+    <cs:defRPr sz="900" kern="1200"/>
+  </cs:dataTable>
+  <cs:downBar>
+    <cs:lnRef idx="0"/>
+    <cs:fillRef idx="0"/>
+    <cs:effectRef idx="0"/>
+    <cs:fontRef idx="minor">
+      <a:schemeClr val="dk1"/>
+    </cs:fontRef>
+    <cs:spPr>
+      <a:solidFill>
+        <a:schemeClr val="dk1">
+          <a:lumMod val="75000"/>
+          <a:lumOff val="25000"/>
+        </a:schemeClr>
+      </a:solidFill>
+      <a:ln w="9525">
+        <a:solidFill>
+          <a:schemeClr val="tx1">
+            <a:lumMod val="50000"/>
+            <a:lumOff val="50000"/>
+          </a:schemeClr>
+        </a:solidFill>
+      </a:ln>
+    </cs:spPr>
+  </cs:downBar>
+  <cs:dropLine>
+    <cs:lnRef idx="0"/>
+    <cs:fillRef idx="0"/>
+    <cs:effectRef idx="0"/>
+    <cs:fontRef idx="minor">
+      <a:schemeClr val="dk1"/>
+    </cs:fontRef>
+    <cs:spPr>
+      <a:ln w="9525">
+        <a:solidFill>
+          <a:schemeClr val="tx1">
+            <a:lumMod val="50000"/>
+            <a:lumOff val="50000"/>
+          </a:schemeClr>
+        </a:solidFill>
+        <a:prstDash val="dash"/>
+      </a:ln>
+    </cs:spPr>
+  </cs:dropLine>
+  <cs:errorBar>
+    <cs:lnRef idx="0"/>
+    <cs:fillRef idx="0"/>
+    <cs:effectRef idx="0"/>
+    <cs:fontRef idx="minor">
+      <a:schemeClr val="dk1"/>
+    </cs:fontRef>
+    <cs:spPr>
+      <a:ln w="9525">
+        <a:solidFill>
+          <a:schemeClr val="tx1">
+            <a:lumMod val="50000"/>
+            <a:lumOff val="50000"/>
+          </a:schemeClr>
+        </a:solidFill>
+        <a:round/>
+      </a:ln>
+    </cs:spPr>
+  </cs:errorBar>
+  <cs:floor>
+    <cs:lnRef idx="0"/>
+    <cs:fillRef idx="0"/>
+    <cs:effectRef idx="0"/>
+    <cs:fontRef idx="minor">
+      <a:schemeClr val="dk1"/>
+    </cs:fontRef>
+  </cs:floor>
+  <cs:gridlineMajor>
+    <cs:lnRef idx="0"/>
+    <cs:fillRef idx="0"/>
+    <cs:effectRef idx="0"/>
+    <cs:fontRef idx="minor">
+      <a:schemeClr val="dk1"/>
+    </cs:fontRef>
+    <cs:spPr>
+      <a:ln w="9525" cap="flat" cmpd="sng" algn="ctr">
+        <a:solidFill>
+          <a:schemeClr val="tx1">
+            <a:lumMod val="15000"/>
+            <a:lumOff val="85000"/>
+          </a:schemeClr>
+        </a:solidFill>
+        <a:round/>
+      </a:ln>
+    </cs:spPr>
+  </cs:gridlineMajor>
+  <cs:gridlineMinor>
+    <cs:lnRef idx="0"/>
+    <cs:fillRef idx="0"/>
+    <cs:effectRef idx="0"/>
+    <cs:fontRef idx="minor">
+      <a:schemeClr val="dk1"/>
+    </cs:fontRef>
+    <cs:spPr>
+      <a:ln w="9525" cap="flat" cmpd="sng" algn="ctr">
+        <a:solidFill>
+          <a:schemeClr val="tx1">
+            <a:lumMod val="5000"/>
+            <a:lumOff val="95000"/>
+          </a:schemeClr>
+        </a:solidFill>
+        <a:round/>
+      </a:ln>
+    </cs:spPr>
+  </cs:gridlineMinor>
+  <cs:hiLoLine>
+    <cs:lnRef idx="0"/>
+    <cs:fillRef idx="0"/>
+    <cs:effectRef idx="0"/>
+    <cs:fontRef idx="minor">
+      <a:schemeClr val="dk1"/>
+    </cs:fontRef>
+    <cs:spPr>
+      <a:ln w="9525">
+        <a:solidFill>
+          <a:schemeClr val="tx1">
+            <a:lumMod val="50000"/>
+            <a:lumOff val="50000"/>
+          </a:schemeClr>
+        </a:solidFill>
+        <a:prstDash val="dash"/>
+      </a:ln>
+    </cs:spPr>
+  </cs:hiLoLine>
+  <cs:leaderLine>
+    <cs:lnRef idx="0"/>
+    <cs:fillRef idx="0"/>
+    <cs:effectRef idx="0"/>
+    <cs:fontRef idx="minor">
+      <a:schemeClr val="dk1"/>
+    </cs:fontRef>
+    <cs:spPr>
+      <a:ln w="9525">
+        <a:solidFill>
+          <a:schemeClr val="tx1">
+            <a:lumMod val="35000"/>
+            <a:lumOff val="65000"/>
+          </a:schemeClr>
+        </a:solidFill>
+      </a:ln>
+    </cs:spPr>
+  </cs:leaderLine>
+  <cs:legend>
+    <cs:lnRef idx="0"/>
+    <cs:fillRef idx="0"/>
+    <cs:effectRef idx="0"/>
+    <cs:fontRef idx="minor">
+      <a:schemeClr val="tx1">
+        <a:lumMod val="65000"/>
+        <a:lumOff val="35000"/>
+      </a:schemeClr>
+    </cs:fontRef>
+    <cs:defRPr sz="900" kern="1200"/>
+  </cs:legend>
+  <cs:plotArea mods="allowNoFillOverride allowNoLineOverride">
+    <cs:lnRef idx="0"/>
+    <cs:fillRef idx="0"/>
+    <cs:effectRef idx="0"/>
+    <cs:fontRef idx="minor">
+      <a:schemeClr val="dk1"/>
+    </cs:fontRef>
+  </cs:plotArea>
+  <cs:plotArea3D mods="allowNoFillOverride allowNoLineOverride">
+    <cs:lnRef idx="0"/>
+    <cs:fillRef idx="0"/>
+    <cs:effectRef idx="0"/>
+    <cs:fontRef idx="minor">
+      <a:schemeClr val="dk1"/>
+    </cs:fontRef>
+  </cs:plotArea3D>
+  <cs:seriesAxis>
+    <cs:lnRef idx="0"/>
+    <cs:fillRef idx="0"/>
+    <cs:effectRef idx="0"/>
+    <cs:fontRef idx="minor">
+      <a:schemeClr val="tx1">
+        <a:lumMod val="65000"/>
+        <a:lumOff val="35000"/>
+      </a:schemeClr>
+    </cs:fontRef>
+    <cs:spPr>
+      <a:ln w="9525" cap="flat" cmpd="sng" algn="ctr">
+        <a:solidFill>
+          <a:schemeClr val="tx1">
+            <a:lumMod val="15000"/>
+            <a:lumOff val="85000"/>
+          </a:schemeClr>
+        </a:solidFill>
+        <a:round/>
+      </a:ln>
+    </cs:spPr>
+    <cs:defRPr sz="900" kern="1200"/>
+  </cs:seriesAxis>
+  <cs:seriesLine>
+    <cs:lnRef idx="0"/>
+    <cs:fillRef idx="0"/>
+    <cs:effectRef idx="0"/>
+    <cs:fontRef idx="minor">
+      <a:schemeClr val="dk1"/>
+    </cs:fontRef>
+    <cs:spPr>
+      <a:ln w="9525">
+        <a:solidFill>
+          <a:schemeClr val="tx1">
+            <a:lumMod val="35000"/>
+            <a:lumOff val="65000"/>
+          </a:schemeClr>
+        </a:solidFill>
+        <a:round/>
+      </a:ln>
+    </cs:spPr>
+  </cs:seriesLine>
+  <cs:title>
+    <cs:lnRef idx="0"/>
+    <cs:fillRef idx="0"/>
+    <cs:effectRef idx="0"/>
+    <cs:fontRef idx="major">
+      <a:schemeClr val="tx1">
+        <a:lumMod val="65000"/>
+        <a:lumOff val="35000"/>
+      </a:schemeClr>
+    </cs:fontRef>
+    <cs:defRPr sz="2000" b="0" kern="1200" cap="none" spc="0" normalizeH="0" baseline="0"/>
+  </cs:title>
+  <cs:trendline>
+    <cs:lnRef idx="0">
+      <cs:styleClr val="auto"/>
+    </cs:lnRef>
+    <cs:fillRef idx="0"/>
+    <cs:effectRef idx="0"/>
+    <cs:fontRef idx="minor">
+      <a:schemeClr val="dk1"/>
+    </cs:fontRef>
+    <cs:spPr>
+      <a:ln w="19050" cap="rnd">
+        <a:solidFill>
+          <a:schemeClr val="phClr"/>
+        </a:solidFill>
+        <a:round/>
+      </a:ln>
+    </cs:spPr>
+  </cs:trendline>
+  <cs:trendlineLabel>
+    <cs:lnRef idx="0"/>
+    <cs:fillRef idx="0"/>
+    <cs:effectRef idx="0"/>
+    <cs:fontRef idx="minor">
+      <a:schemeClr val="tx1">
+        <a:lumMod val="65000"/>
+        <a:lumOff val="35000"/>
+      </a:schemeClr>
+    </cs:fontRef>
+    <cs:defRPr sz="900" kern="1200"/>
+  </cs:trendlineLabel>
+  <cs:upBar>
+    <cs:lnRef idx="0"/>
+    <cs:fillRef idx="0"/>
+    <cs:effectRef idx="0"/>
+    <cs:fontRef idx="minor">
+      <a:schemeClr val="dk1"/>
+    </cs:fontRef>
+    <cs:spPr>
+      <a:solidFill>
+        <a:schemeClr val="lt1"/>
+      </a:solidFill>
+      <a:ln w="9525">
+        <a:solidFill>
+          <a:schemeClr val="tx1">
+            <a:lumMod val="50000"/>
+            <a:lumOff val="50000"/>
+          </a:schemeClr>
+        </a:solidFill>
+      </a:ln>
+    </cs:spPr>
+  </cs:upBar>
+  <cs:valueAxis>
+    <cs:lnRef idx="0"/>
+    <cs:fillRef idx="0"/>
+    <cs:effectRef idx="0"/>
+    <cs:fontRef idx="minor">
+      <a:schemeClr val="tx1">
+        <a:lumMod val="65000"/>
+        <a:lumOff val="35000"/>
+      </a:schemeClr>
+    </cs:fontRef>
+    <cs:defRPr sz="900" kern="1200"/>
+  </cs:valueAxis>
+  <cs:wall>
+    <cs:lnRef idx="0"/>
+    <cs:fillRef idx="0"/>
+    <cs:effectRef idx="0"/>
+    <cs:fontRef idx="minor">
+      <a:schemeClr val="dk1"/>
+    </cs:fontRef>
+  </cs:wall>
+</cs:chartStyle>
+</file>
+
 <file path=ppt/notesMasters/notesMaster1.xml><?xml version="1.0" encoding="utf-8"?>
 <p:notesMaster xmlns:a="http://schemas.openxmlformats.org/drawingml/2006/main" xmlns:r="http://schemas.openxmlformats.org/officeDocument/2006/relationships" xmlns:p="http://schemas.openxmlformats.org/presentationml/2006/main">
   <p:cSld>
@@ -268,38 +2617,37 @@
           <a:p>
             <a:pPr lvl="0"/>
             <a:r>
-              <a:rPr lang="fr-FR" smtClean="0"/>
+              <a:rPr lang="fr-FR"/>
               <a:t>Modifier les styles du texte du masque</a:t>
             </a:r>
           </a:p>
           <a:p>
             <a:pPr lvl="1"/>
             <a:r>
-              <a:rPr lang="fr-FR" smtClean="0"/>
+              <a:rPr lang="fr-FR"/>
               <a:t>Deuxième niveau</a:t>
             </a:r>
           </a:p>
           <a:p>
             <a:pPr lvl="2"/>
             <a:r>
-              <a:rPr lang="fr-FR" smtClean="0"/>
+              <a:rPr lang="fr-FR"/>
               <a:t>Troisième niveau</a:t>
             </a:r>
           </a:p>
           <a:p>
             <a:pPr lvl="3"/>
             <a:r>
-              <a:rPr lang="fr-FR" smtClean="0"/>
+              <a:rPr lang="fr-FR"/>
               <a:t>Quatrième niveau</a:t>
             </a:r>
           </a:p>
           <a:p>
             <a:pPr lvl="4"/>
             <a:r>
-              <a:rPr lang="fr-FR" smtClean="0"/>
+              <a:rPr lang="fr-FR"/>
               <a:t>Cinquième niveau</a:t>
             </a:r>
-            <a:endParaRPr lang="fr-FR"/>
           </a:p>
         </p:txBody>
       </p:sp>
@@ -514,10 +2862,9 @@
           </a:lstStyle>
           <a:p>
             <a:r>
-              <a:rPr lang="fr-FR" smtClean="0"/>
+              <a:rPr lang="fr-FR"/>
               <a:t>Modifiez le style du titre</a:t>
             </a:r>
-            <a:endParaRPr lang="fr-FR"/>
           </a:p>
         </p:txBody>
       </p:sp>
@@ -579,10 +2926,9 @@
           </a:lstStyle>
           <a:p>
             <a:r>
-              <a:rPr lang="fr-FR" smtClean="0"/>
+              <a:rPr lang="fr-FR"/>
               <a:t>Modifier le style des sous-titres du masque</a:t>
             </a:r>
-            <a:endParaRPr lang="fr-FR"/>
           </a:p>
         </p:txBody>
       </p:sp>
@@ -697,10 +3043,9 @@
           <a:lstStyle/>
           <a:p>
             <a:r>
-              <a:rPr lang="fr-FR" smtClean="0"/>
+              <a:rPr lang="fr-FR"/>
               <a:t>Modifiez le style du titre</a:t>
             </a:r>
-            <a:endParaRPr lang="fr-FR"/>
           </a:p>
         </p:txBody>
       </p:sp>
@@ -721,38 +3066,37 @@
           <a:p>
             <a:pPr lvl="0"/>
             <a:r>
-              <a:rPr lang="fr-FR" smtClean="0"/>
+              <a:rPr lang="fr-FR"/>
               <a:t>Modifier les styles du texte du masque</a:t>
             </a:r>
           </a:p>
           <a:p>
             <a:pPr lvl="1"/>
             <a:r>
-              <a:rPr lang="fr-FR" smtClean="0"/>
+              <a:rPr lang="fr-FR"/>
               <a:t>Deuxième niveau</a:t>
             </a:r>
           </a:p>
           <a:p>
             <a:pPr lvl="2"/>
             <a:r>
-              <a:rPr lang="fr-FR" smtClean="0"/>
+              <a:rPr lang="fr-FR"/>
               <a:t>Troisième niveau</a:t>
             </a:r>
           </a:p>
           <a:p>
             <a:pPr lvl="3"/>
             <a:r>
-              <a:rPr lang="fr-FR" smtClean="0"/>
+              <a:rPr lang="fr-FR"/>
               <a:t>Quatrième niveau</a:t>
             </a:r>
           </a:p>
           <a:p>
             <a:pPr lvl="4"/>
             <a:r>
-              <a:rPr lang="fr-FR" smtClean="0"/>
+              <a:rPr lang="fr-FR"/>
               <a:t>Cinquième niveau</a:t>
             </a:r>
-            <a:endParaRPr lang="fr-FR"/>
           </a:p>
         </p:txBody>
       </p:sp>
@@ -872,10 +3216,9 @@
           <a:lstStyle/>
           <a:p>
             <a:r>
-              <a:rPr lang="fr-FR" smtClean="0"/>
+              <a:rPr lang="fr-FR"/>
               <a:t>Modifiez le style du titre</a:t>
             </a:r>
-            <a:endParaRPr lang="fr-FR"/>
           </a:p>
         </p:txBody>
       </p:sp>
@@ -901,38 +3244,37 @@
           <a:p>
             <a:pPr lvl="0"/>
             <a:r>
-              <a:rPr lang="fr-FR" smtClean="0"/>
+              <a:rPr lang="fr-FR"/>
               <a:t>Modifier les styles du texte du masque</a:t>
             </a:r>
           </a:p>
           <a:p>
             <a:pPr lvl="1"/>
             <a:r>
-              <a:rPr lang="fr-FR" smtClean="0"/>
+              <a:rPr lang="fr-FR"/>
               <a:t>Deuxième niveau</a:t>
             </a:r>
           </a:p>
           <a:p>
             <a:pPr lvl="2"/>
             <a:r>
-              <a:rPr lang="fr-FR" smtClean="0"/>
+              <a:rPr lang="fr-FR"/>
               <a:t>Troisième niveau</a:t>
             </a:r>
           </a:p>
           <a:p>
             <a:pPr lvl="3"/>
             <a:r>
-              <a:rPr lang="fr-FR" smtClean="0"/>
+              <a:rPr lang="fr-FR"/>
               <a:t>Quatrième niveau</a:t>
             </a:r>
           </a:p>
           <a:p>
             <a:pPr lvl="4"/>
             <a:r>
-              <a:rPr lang="fr-FR" smtClean="0"/>
+              <a:rPr lang="fr-FR"/>
               <a:t>Cinquième niveau</a:t>
             </a:r>
-            <a:endParaRPr lang="fr-FR"/>
           </a:p>
         </p:txBody>
       </p:sp>
@@ -1047,10 +3389,9 @@
           <a:lstStyle/>
           <a:p>
             <a:r>
-              <a:rPr lang="fr-FR" smtClean="0"/>
+              <a:rPr lang="fr-FR"/>
               <a:t>Modifiez le style du titre</a:t>
             </a:r>
-            <a:endParaRPr lang="fr-FR"/>
           </a:p>
         </p:txBody>
       </p:sp>
@@ -1071,38 +3412,37 @@
           <a:p>
             <a:pPr lvl="0"/>
             <a:r>
-              <a:rPr lang="fr-FR" smtClean="0"/>
+              <a:rPr lang="fr-FR"/>
               <a:t>Modifier les styles du texte du masque</a:t>
             </a:r>
           </a:p>
           <a:p>
             <a:pPr lvl="1"/>
             <a:r>
-              <a:rPr lang="fr-FR" smtClean="0"/>
+              <a:rPr lang="fr-FR"/>
               <a:t>Deuxième niveau</a:t>
             </a:r>
           </a:p>
           <a:p>
             <a:pPr lvl="2"/>
             <a:r>
-              <a:rPr lang="fr-FR" smtClean="0"/>
+              <a:rPr lang="fr-FR"/>
               <a:t>Troisième niveau</a:t>
             </a:r>
           </a:p>
           <a:p>
             <a:pPr lvl="3"/>
             <a:r>
-              <a:rPr lang="fr-FR" smtClean="0"/>
+              <a:rPr lang="fr-FR"/>
               <a:t>Quatrième niveau</a:t>
             </a:r>
           </a:p>
           <a:p>
             <a:pPr lvl="4"/>
             <a:r>
-              <a:rPr lang="fr-FR" smtClean="0"/>
+              <a:rPr lang="fr-FR"/>
               <a:t>Cinquième niveau</a:t>
             </a:r>
-            <a:endParaRPr lang="fr-FR"/>
           </a:p>
         </p:txBody>
       </p:sp>
@@ -1226,10 +3566,9 @@
           </a:lstStyle>
           <a:p>
             <a:r>
-              <a:rPr lang="fr-FR" smtClean="0"/>
+              <a:rPr lang="fr-FR"/>
               <a:t>Modifiez le style du titre</a:t>
             </a:r>
-            <a:endParaRPr lang="fr-FR"/>
           </a:p>
         </p:txBody>
       </p:sp>
@@ -1346,7 +3685,7 @@
           <a:p>
             <a:pPr lvl="0"/>
             <a:r>
-              <a:rPr lang="fr-FR" smtClean="0"/>
+              <a:rPr lang="fr-FR"/>
               <a:t>Modifier les styles du texte du masque</a:t>
             </a:r>
           </a:p>
@@ -1463,10 +3802,9 @@
           <a:lstStyle/>
           <a:p>
             <a:r>
-              <a:rPr lang="fr-FR" smtClean="0"/>
+              <a:rPr lang="fr-FR"/>
               <a:t>Modifiez le style du titre</a:t>
             </a:r>
-            <a:endParaRPr lang="fr-FR"/>
           </a:p>
         </p:txBody>
       </p:sp>
@@ -1492,38 +3830,37 @@
           <a:p>
             <a:pPr lvl="0"/>
             <a:r>
-              <a:rPr lang="fr-FR" smtClean="0"/>
+              <a:rPr lang="fr-FR"/>
               <a:t>Modifier les styles du texte du masque</a:t>
             </a:r>
           </a:p>
           <a:p>
             <a:pPr lvl="1"/>
             <a:r>
-              <a:rPr lang="fr-FR" smtClean="0"/>
+              <a:rPr lang="fr-FR"/>
               <a:t>Deuxième niveau</a:t>
             </a:r>
           </a:p>
           <a:p>
             <a:pPr lvl="2"/>
             <a:r>
-              <a:rPr lang="fr-FR" smtClean="0"/>
+              <a:rPr lang="fr-FR"/>
               <a:t>Troisième niveau</a:t>
             </a:r>
           </a:p>
           <a:p>
             <a:pPr lvl="3"/>
             <a:r>
-              <a:rPr lang="fr-FR" smtClean="0"/>
+              <a:rPr lang="fr-FR"/>
               <a:t>Quatrième niveau</a:t>
             </a:r>
           </a:p>
           <a:p>
             <a:pPr lvl="4"/>
             <a:r>
-              <a:rPr lang="fr-FR" smtClean="0"/>
+              <a:rPr lang="fr-FR"/>
               <a:t>Cinquième niveau</a:t>
             </a:r>
-            <a:endParaRPr lang="fr-FR"/>
           </a:p>
         </p:txBody>
       </p:sp>
@@ -1549,38 +3886,37 @@
           <a:p>
             <a:pPr lvl="0"/>
             <a:r>
-              <a:rPr lang="fr-FR" smtClean="0"/>
+              <a:rPr lang="fr-FR"/>
               <a:t>Modifier les styles du texte du masque</a:t>
             </a:r>
           </a:p>
           <a:p>
             <a:pPr lvl="1"/>
             <a:r>
-              <a:rPr lang="fr-FR" smtClean="0"/>
+              <a:rPr lang="fr-FR"/>
               <a:t>Deuxième niveau</a:t>
             </a:r>
           </a:p>
           <a:p>
             <a:pPr lvl="2"/>
             <a:r>
-              <a:rPr lang="fr-FR" smtClean="0"/>
+              <a:rPr lang="fr-FR"/>
               <a:t>Troisième niveau</a:t>
             </a:r>
           </a:p>
           <a:p>
             <a:pPr lvl="3"/>
             <a:r>
-              <a:rPr lang="fr-FR" smtClean="0"/>
+              <a:rPr lang="fr-FR"/>
               <a:t>Quatrième niveau</a:t>
             </a:r>
           </a:p>
           <a:p>
             <a:pPr lvl="4"/>
             <a:r>
-              <a:rPr lang="fr-FR" smtClean="0"/>
+              <a:rPr lang="fr-FR"/>
               <a:t>Cinquième niveau</a:t>
             </a:r>
-            <a:endParaRPr lang="fr-FR"/>
           </a:p>
         </p:txBody>
       </p:sp>
@@ -1700,10 +4036,9 @@
           <a:lstStyle/>
           <a:p>
             <a:r>
-              <a:rPr lang="fr-FR" smtClean="0"/>
+              <a:rPr lang="fr-FR"/>
               <a:t>Modifiez le style du titre</a:t>
             </a:r>
-            <a:endParaRPr lang="fr-FR"/>
           </a:p>
         </p:txBody>
       </p:sp>
@@ -1766,7 +4101,7 @@
           <a:p>
             <a:pPr lvl="0"/>
             <a:r>
-              <a:rPr lang="fr-FR" smtClean="0"/>
+              <a:rPr lang="fr-FR"/>
               <a:t>Modifier les styles du texte du masque</a:t>
             </a:r>
           </a:p>
@@ -1794,38 +4129,37 @@
           <a:p>
             <a:pPr lvl="0"/>
             <a:r>
-              <a:rPr lang="fr-FR" smtClean="0"/>
+              <a:rPr lang="fr-FR"/>
               <a:t>Modifier les styles du texte du masque</a:t>
             </a:r>
           </a:p>
           <a:p>
             <a:pPr lvl="1"/>
             <a:r>
-              <a:rPr lang="fr-FR" smtClean="0"/>
+              <a:rPr lang="fr-FR"/>
               <a:t>Deuxième niveau</a:t>
             </a:r>
           </a:p>
           <a:p>
             <a:pPr lvl="2"/>
             <a:r>
-              <a:rPr lang="fr-FR" smtClean="0"/>
+              <a:rPr lang="fr-FR"/>
               <a:t>Troisième niveau</a:t>
             </a:r>
           </a:p>
           <a:p>
             <a:pPr lvl="3"/>
             <a:r>
-              <a:rPr lang="fr-FR" smtClean="0"/>
+              <a:rPr lang="fr-FR"/>
               <a:t>Quatrième niveau</a:t>
             </a:r>
           </a:p>
           <a:p>
             <a:pPr lvl="4"/>
             <a:r>
-              <a:rPr lang="fr-FR" smtClean="0"/>
+              <a:rPr lang="fr-FR"/>
               <a:t>Cinquième niveau</a:t>
             </a:r>
-            <a:endParaRPr lang="fr-FR"/>
           </a:p>
         </p:txBody>
       </p:sp>
@@ -1888,7 +4222,7 @@
           <a:p>
             <a:pPr lvl="0"/>
             <a:r>
-              <a:rPr lang="fr-FR" smtClean="0"/>
+              <a:rPr lang="fr-FR"/>
               <a:t>Modifier les styles du texte du masque</a:t>
             </a:r>
           </a:p>
@@ -1916,38 +4250,37 @@
           <a:p>
             <a:pPr lvl="0"/>
             <a:r>
-              <a:rPr lang="fr-FR" smtClean="0"/>
+              <a:rPr lang="fr-FR"/>
               <a:t>Modifier les styles du texte du masque</a:t>
             </a:r>
           </a:p>
           <a:p>
             <a:pPr lvl="1"/>
             <a:r>
-              <a:rPr lang="fr-FR" smtClean="0"/>
+              <a:rPr lang="fr-FR"/>
               <a:t>Deuxième niveau</a:t>
             </a:r>
           </a:p>
           <a:p>
             <a:pPr lvl="2"/>
             <a:r>
-              <a:rPr lang="fr-FR" smtClean="0"/>
+              <a:rPr lang="fr-FR"/>
               <a:t>Troisième niveau</a:t>
             </a:r>
           </a:p>
           <a:p>
             <a:pPr lvl="3"/>
             <a:r>
-              <a:rPr lang="fr-FR" smtClean="0"/>
+              <a:rPr lang="fr-FR"/>
               <a:t>Quatrième niveau</a:t>
             </a:r>
           </a:p>
           <a:p>
             <a:pPr lvl="4"/>
             <a:r>
-              <a:rPr lang="fr-FR" smtClean="0"/>
+              <a:rPr lang="fr-FR"/>
               <a:t>Cinquième niveau</a:t>
             </a:r>
-            <a:endParaRPr lang="fr-FR"/>
           </a:p>
         </p:txBody>
       </p:sp>
@@ -2062,10 +4395,9 @@
           <a:lstStyle/>
           <a:p>
             <a:r>
-              <a:rPr lang="fr-FR" smtClean="0"/>
+              <a:rPr lang="fr-FR"/>
               <a:t>Modifiez le style du titre</a:t>
             </a:r>
-            <a:endParaRPr lang="fr-FR"/>
           </a:p>
         </p:txBody>
       </p:sp>
@@ -2284,10 +4616,9 @@
           </a:lstStyle>
           <a:p>
             <a:r>
-              <a:rPr lang="fr-FR" smtClean="0"/>
+              <a:rPr lang="fr-FR"/>
               <a:t>Modifiez le style du titre</a:t>
             </a:r>
-            <a:endParaRPr lang="fr-FR"/>
           </a:p>
         </p:txBody>
       </p:sp>
@@ -2341,38 +4672,37 @@
           <a:p>
             <a:pPr lvl="0"/>
             <a:r>
-              <a:rPr lang="fr-FR" smtClean="0"/>
+              <a:rPr lang="fr-FR"/>
               <a:t>Modifier les styles du texte du masque</a:t>
             </a:r>
           </a:p>
           <a:p>
             <a:pPr lvl="1"/>
             <a:r>
-              <a:rPr lang="fr-FR" smtClean="0"/>
+              <a:rPr lang="fr-FR"/>
               <a:t>Deuxième niveau</a:t>
             </a:r>
           </a:p>
           <a:p>
             <a:pPr lvl="2"/>
             <a:r>
-              <a:rPr lang="fr-FR" smtClean="0"/>
+              <a:rPr lang="fr-FR"/>
               <a:t>Troisième niveau</a:t>
             </a:r>
           </a:p>
           <a:p>
             <a:pPr lvl="3"/>
             <a:r>
-              <a:rPr lang="fr-FR" smtClean="0"/>
+              <a:rPr lang="fr-FR"/>
               <a:t>Quatrième niveau</a:t>
             </a:r>
           </a:p>
           <a:p>
             <a:pPr lvl="4"/>
             <a:r>
-              <a:rPr lang="fr-FR" smtClean="0"/>
+              <a:rPr lang="fr-FR"/>
               <a:t>Cinquième niveau</a:t>
             </a:r>
-            <a:endParaRPr lang="fr-FR"/>
           </a:p>
         </p:txBody>
       </p:sp>
@@ -2435,7 +4765,7 @@
           <a:p>
             <a:pPr lvl="0"/>
             <a:r>
-              <a:rPr lang="fr-FR" smtClean="0"/>
+              <a:rPr lang="fr-FR"/>
               <a:t>Modifier les styles du texte du masque</a:t>
             </a:r>
           </a:p>
@@ -2561,10 +4891,9 @@
           </a:lstStyle>
           <a:p>
             <a:r>
-              <a:rPr lang="fr-FR" smtClean="0"/>
+              <a:rPr lang="fr-FR"/>
               <a:t>Modifiez le style du titre</a:t>
             </a:r>
-            <a:endParaRPr lang="fr-FR"/>
           </a:p>
         </p:txBody>
       </p:sp>
@@ -2688,7 +5017,7 @@
           <a:p>
             <a:pPr lvl="0"/>
             <a:r>
-              <a:rPr lang="fr-FR" smtClean="0"/>
+              <a:rPr lang="fr-FR"/>
               <a:t>Modifier les styles du texte du masque</a:t>
             </a:r>
           </a:p>
@@ -2820,10 +5149,9 @@
           <a:lstStyle/>
           <a:p>
             <a:r>
-              <a:rPr lang="fr-FR" smtClean="0"/>
+              <a:rPr lang="fr-FR"/>
               <a:t>Modifiez le style du titre</a:t>
             </a:r>
-            <a:endParaRPr lang="fr-FR"/>
           </a:p>
         </p:txBody>
       </p:sp>
@@ -2854,38 +5182,37 @@
           <a:p>
             <a:pPr lvl="0"/>
             <a:r>
-              <a:rPr lang="fr-FR" smtClean="0"/>
+              <a:rPr lang="fr-FR"/>
               <a:t>Modifier les styles du texte du masque</a:t>
             </a:r>
           </a:p>
           <a:p>
             <a:pPr lvl="1"/>
             <a:r>
-              <a:rPr lang="fr-FR" smtClean="0"/>
+              <a:rPr lang="fr-FR"/>
               <a:t>Deuxième niveau</a:t>
             </a:r>
           </a:p>
           <a:p>
             <a:pPr lvl="2"/>
             <a:r>
-              <a:rPr lang="fr-FR" smtClean="0"/>
+              <a:rPr lang="fr-FR"/>
               <a:t>Troisième niveau</a:t>
             </a:r>
           </a:p>
           <a:p>
             <a:pPr lvl="3"/>
             <a:r>
-              <a:rPr lang="fr-FR" smtClean="0"/>
+              <a:rPr lang="fr-FR"/>
               <a:t>Quatrième niveau</a:t>
             </a:r>
           </a:p>
           <a:p>
             <a:pPr lvl="4"/>
             <a:r>
-              <a:rPr lang="fr-FR" smtClean="0"/>
+              <a:rPr lang="fr-FR"/>
               <a:t>Cinquième niveau</a:t>
             </a:r>
-            <a:endParaRPr lang="fr-FR"/>
           </a:p>
         </p:txBody>
       </p:sp>
@@ -3384,18 +5711,13 @@
           <a:p>
             <a:pPr algn="r"/>
             <a:r>
-              <a:rPr lang="fr-FR" sz="4400" dirty="0" smtClean="0">
+              <a:rPr lang="fr-FR" sz="4400" dirty="0">
                 <a:solidFill>
                   <a:schemeClr val="bg1"/>
                 </a:solidFill>
               </a:rPr>
               <a:t>Séance de restitution</a:t>
             </a:r>
-            <a:endParaRPr lang="fr-FR" sz="4400" dirty="0" smtClean="0">
-              <a:solidFill>
-                <a:schemeClr val="bg1"/>
-              </a:solidFill>
-            </a:endParaRPr>
           </a:p>
         </p:txBody>
       </p:sp>
@@ -3422,7 +5744,7 @@
           <a:lstStyle/>
           <a:p>
             <a:r>
-              <a:rPr lang="fr-FR" sz="2400" dirty="0" smtClean="0">
+              <a:rPr lang="fr-FR" sz="2400" dirty="0">
                 <a:solidFill>
                   <a:schemeClr val="bg1"/>
                 </a:solidFill>
@@ -3432,7 +5754,7 @@
           </a:p>
           <a:p>
             <a:r>
-              <a:rPr lang="fr-FR" sz="2400" dirty="0" smtClean="0">
+              <a:rPr lang="fr-FR" sz="2400" dirty="0">
                 <a:solidFill>
                   <a:schemeClr val="bg1"/>
                 </a:solidFill>
@@ -3440,7 +5762,7 @@
               <a:t>Pierre </a:t>
             </a:r>
             <a:r>
-              <a:rPr lang="fr-FR" sz="2400" dirty="0" err="1" smtClean="0">
+              <a:rPr lang="fr-FR" sz="2400" dirty="0" err="1">
                 <a:solidFill>
                   <a:schemeClr val="bg1"/>
                 </a:solidFill>
@@ -3448,7 +5770,7 @@
               <a:t>Dugast</a:t>
             </a:r>
             <a:r>
-              <a:rPr lang="fr-FR" sz="2400" dirty="0" smtClean="0">
+              <a:rPr lang="fr-FR" sz="2400" dirty="0">
                 <a:solidFill>
                   <a:schemeClr val="bg1"/>
                 </a:solidFill>
@@ -3458,7 +5780,7 @@
           </a:p>
           <a:p>
             <a:r>
-              <a:rPr lang="fr-FR" sz="2400" dirty="0" smtClean="0">
+              <a:rPr lang="fr-FR" sz="2400" dirty="0">
                 <a:solidFill>
                   <a:schemeClr val="bg1"/>
                 </a:solidFill>
@@ -3466,14 +5788,14 @@
               <a:t>Jérémie </a:t>
             </a:r>
             <a:r>
-              <a:rPr lang="fr-FR" sz="2400" dirty="0" err="1" smtClean="0">
+              <a:rPr lang="fr-FR" sz="2400" dirty="0" err="1">
                 <a:solidFill>
                   <a:schemeClr val="bg1"/>
                 </a:solidFill>
               </a:rPr>
               <a:t>Rafinesque</a:t>
             </a:r>
-            <a:endParaRPr lang="fr-FR" sz="2400" dirty="0" smtClean="0">
+            <a:endParaRPr lang="fr-FR" sz="2400" dirty="0">
               <a:solidFill>
                 <a:schemeClr val="bg1"/>
               </a:solidFill>
@@ -3481,7 +5803,7 @@
           </a:p>
           <a:p>
             <a:r>
-              <a:rPr lang="fr-FR" sz="2400" dirty="0" smtClean="0">
+              <a:rPr lang="fr-FR" sz="2400" dirty="0">
                 <a:solidFill>
                   <a:schemeClr val="bg1"/>
                 </a:solidFill>
@@ -3489,14 +5811,14 @@
               <a:t>Arnaud </a:t>
             </a:r>
             <a:r>
-              <a:rPr lang="fr-FR" sz="2400" dirty="0" err="1" smtClean="0">
+              <a:rPr lang="fr-FR" sz="2400" dirty="0" err="1">
                 <a:solidFill>
                   <a:schemeClr val="bg1"/>
                 </a:solidFill>
               </a:rPr>
               <a:t>Rohé</a:t>
             </a:r>
-            <a:endParaRPr lang="fr-FR" sz="2400" dirty="0" smtClean="0">
+            <a:endParaRPr lang="fr-FR" sz="2400" dirty="0">
               <a:solidFill>
                 <a:schemeClr val="bg1"/>
               </a:solidFill>
@@ -3528,7 +5850,7 @@
           <a:p>
             <a:pPr algn="r"/>
             <a:r>
-              <a:rPr lang="fr-FR" sz="2400" b="1" dirty="0" smtClean="0">
+              <a:rPr lang="fr-FR" sz="2400" b="1" dirty="0">
                 <a:solidFill>
                   <a:schemeClr val="bg1"/>
                 </a:solidFill>
@@ -3543,6 +5865,201 @@
     <p:extLst>
       <p:ext uri="{BB962C8B-B14F-4D97-AF65-F5344CB8AC3E}">
         <p14:creationId xmlns:p14="http://schemas.microsoft.com/office/powerpoint/2010/main" val="1448678036"/>
+      </p:ext>
+    </p:extLst>
+  </p:cSld>
+  <p:clrMapOvr>
+    <a:masterClrMapping/>
+  </p:clrMapOvr>
+</p:sld>
+</file>
+
+<file path=ppt/slides/slide10.xml><?xml version="1.0" encoding="utf-8"?>
+<p:sld xmlns:a="http://schemas.openxmlformats.org/drawingml/2006/main" xmlns:r="http://schemas.openxmlformats.org/officeDocument/2006/relationships" xmlns:p="http://schemas.openxmlformats.org/presentationml/2006/main">
+  <p:cSld>
+    <p:spTree>
+      <p:nvGrpSpPr>
+        <p:cNvPr id="1" name=""/>
+        <p:cNvGrpSpPr/>
+        <p:nvPr/>
+      </p:nvGrpSpPr>
+      <p:grpSpPr>
+        <a:xfrm>
+          <a:off x="0" y="0"/>
+          <a:ext cx="0" cy="0"/>
+          <a:chOff x="0" y="0"/>
+          <a:chExt cx="0" cy="0"/>
+        </a:xfrm>
+      </p:grpSpPr>
+      <p:sp>
+        <p:nvSpPr>
+          <p:cNvPr id="2" name="Titre 1"/>
+          <p:cNvSpPr>
+            <a:spLocks noGrp="1"/>
+          </p:cNvSpPr>
+          <p:nvPr>
+            <p:ph type="title"/>
+          </p:nvPr>
+        </p:nvSpPr>
+        <p:spPr>
+          <a:xfrm>
+            <a:off x="0" y="0"/>
+            <a:ext cx="12192000" cy="1212967"/>
+          </a:xfrm>
+          <a:solidFill>
+            <a:schemeClr val="bg2">
+              <a:lumMod val="90000"/>
+            </a:schemeClr>
+          </a:solidFill>
+        </p:spPr>
+        <p:txBody>
+          <a:bodyPr>
+            <a:normAutofit fontScale="90000"/>
+          </a:bodyPr>
+          <a:lstStyle/>
+          <a:p>
+            <a:br>
+              <a:rPr lang="fr-FR" b="1" dirty="0">
+                <a:solidFill>
+                  <a:srgbClr val="A7D131"/>
+                </a:solidFill>
+              </a:rPr>
+            </a:br>
+            <a:r>
+              <a:rPr lang="fr-FR" b="1" dirty="0">
+                <a:solidFill>
+                  <a:srgbClr val="A7D131"/>
+                </a:solidFill>
+              </a:rPr>
+              <a:t>Présentation de notre logiciel et de ses résultats</a:t>
+            </a:r>
+            <a:br>
+              <a:rPr lang="fr-FR" b="1" dirty="0">
+                <a:solidFill>
+                  <a:srgbClr val="A7D131"/>
+                </a:solidFill>
+              </a:rPr>
+            </a:br>
+            <a:r>
+              <a:rPr lang="fr-FR" b="1" i="1" dirty="0">
+                <a:solidFill>
+                  <a:srgbClr val="A7D131"/>
+                </a:solidFill>
+              </a:rPr>
+              <a:t>Paramètres des formes d’ondes</a:t>
+            </a:r>
+            <a:br>
+              <a:rPr lang="fr-FR" b="1" dirty="0">
+                <a:solidFill>
+                  <a:srgbClr val="A7D131"/>
+                </a:solidFill>
+              </a:rPr>
+            </a:br>
+            <a:endParaRPr lang="fr-FR" b="1" dirty="0">
+              <a:solidFill>
+                <a:srgbClr val="92D050"/>
+              </a:solidFill>
+            </a:endParaRPr>
+          </a:p>
+        </p:txBody>
+      </p:sp>
+      <p:sp>
+        <p:nvSpPr>
+          <p:cNvPr id="3" name="Espace réservé du contenu 2"/>
+          <p:cNvSpPr>
+            <a:spLocks noGrp="1"/>
+          </p:cNvSpPr>
+          <p:nvPr>
+            <p:ph idx="1"/>
+          </p:nvPr>
+        </p:nvSpPr>
+        <p:spPr>
+          <a:xfrm>
+            <a:off x="838200" y="1342299"/>
+            <a:ext cx="10515600" cy="4351338"/>
+          </a:xfrm>
+        </p:spPr>
+        <p:txBody>
+          <a:bodyPr>
+            <a:normAutofit/>
+          </a:bodyPr>
+          <a:lstStyle/>
+          <a:p>
+            <a:r>
+              <a:rPr lang="fr-FR" b="1" dirty="0">
+                <a:solidFill>
+                  <a:srgbClr val="A7D131"/>
+                </a:solidFill>
+              </a:rPr>
+              <a:t>Préparation : </a:t>
+            </a:r>
+          </a:p>
+        </p:txBody>
+      </p:sp>
+      <p:sp>
+        <p:nvSpPr>
+          <p:cNvPr id="4" name="Espace réservé du numéro de diapositive 3"/>
+          <p:cNvSpPr>
+            <a:spLocks noGrp="1"/>
+          </p:cNvSpPr>
+          <p:nvPr>
+            <p:ph type="sldNum" sz="quarter" idx="12"/>
+          </p:nvPr>
+        </p:nvSpPr>
+        <p:spPr>
+          <a:xfrm>
+            <a:off x="9329058" y="423920"/>
+            <a:ext cx="2743200" cy="365125"/>
+          </a:xfrm>
+        </p:spPr>
+        <p:txBody>
+          <a:bodyPr/>
+          <a:lstStyle/>
+          <a:p>
+            <a:fld id="{EE740932-4346-4742-A888-81B437EC00F0}" type="slidenum">
+              <a:rPr lang="fr-FR" sz="1800" b="1" smtClean="0">
+                <a:solidFill>
+                  <a:srgbClr val="A7D131"/>
+                </a:solidFill>
+              </a:rPr>
+              <a:t>10</a:t>
+            </a:fld>
+            <a:endParaRPr lang="fr-FR" sz="1800" b="1" dirty="0">
+              <a:solidFill>
+                <a:srgbClr val="A7D131"/>
+              </a:solidFill>
+            </a:endParaRPr>
+          </a:p>
+        </p:txBody>
+      </p:sp>
+      <p:pic>
+        <p:nvPicPr>
+          <p:cNvPr id="5" name="Image 4"/>
+          <p:cNvPicPr>
+            <a:picLocks noChangeAspect="1"/>
+          </p:cNvPicPr>
+          <p:nvPr/>
+        </p:nvPicPr>
+        <p:blipFill>
+          <a:blip r:embed="rId2"/>
+          <a:stretch>
+            <a:fillRect/>
+          </a:stretch>
+        </p:blipFill>
+        <p:spPr>
+          <a:xfrm>
+            <a:off x="134847" y="5822969"/>
+            <a:ext cx="1573380" cy="966652"/>
+          </a:xfrm>
+          <a:prstGeom prst="rect">
+            <a:avLst/>
+          </a:prstGeom>
+        </p:spPr>
+      </p:pic>
+    </p:spTree>
+    <p:extLst>
+      <p:ext uri="{BB962C8B-B14F-4D97-AF65-F5344CB8AC3E}">
+        <p14:creationId xmlns:p14="http://schemas.microsoft.com/office/powerpoint/2010/main" val="153893761"/>
       </p:ext>
     </p:extLst>
   </p:cSld>
@@ -3597,18 +6114,13 @@
           <a:lstStyle/>
           <a:p>
             <a:r>
-              <a:rPr lang="fr-FR" b="1" dirty="0" smtClean="0">
+              <a:rPr lang="fr-FR" b="1" dirty="0">
                 <a:solidFill>
                   <a:srgbClr val="A7D131"/>
                 </a:solidFill>
               </a:rPr>
               <a:t>Introduction</a:t>
             </a:r>
-            <a:endParaRPr lang="fr-FR" b="1" dirty="0">
-              <a:solidFill>
-                <a:srgbClr val="A7D131"/>
-              </a:solidFill>
-            </a:endParaRPr>
           </a:p>
         </p:txBody>
       </p:sp>
@@ -3640,89 +6152,43 @@
                   <a:srgbClr val="A7D131"/>
                 </a:solidFill>
               </a:rPr>
-              <a:t>Présentation </a:t>
-            </a:r>
-            <a:r>
-              <a:rPr lang="fr-FR" b="1" dirty="0" smtClean="0">
-                <a:solidFill>
-                  <a:srgbClr val="A7D131"/>
-                </a:solidFill>
-              </a:rPr>
-              <a:t>de l’équipe et des aspects ingénierie </a:t>
-            </a:r>
-            <a:endParaRPr lang="fr-FR" b="1" dirty="0">
-              <a:solidFill>
-                <a:srgbClr val="A7D131"/>
-              </a:solidFill>
-            </a:endParaRPr>
+              <a:t>Présentation de l’équipe et des aspects ingénierie </a:t>
+            </a:r>
           </a:p>
           <a:p>
             <a:pPr lvl="1"/>
             <a:r>
-              <a:rPr lang="fr-FR" b="1" dirty="0" smtClean="0">
-                <a:solidFill>
-                  <a:srgbClr val="A7D131"/>
-                </a:solidFill>
-              </a:rPr>
+              <a:rPr lang="fr-FR" b="1" dirty="0"/>
               <a:t>Organisation</a:t>
             </a:r>
           </a:p>
           <a:p>
             <a:pPr lvl="1"/>
             <a:r>
-              <a:rPr lang="fr-FR" b="1" dirty="0" smtClean="0">
-                <a:solidFill>
-                  <a:srgbClr val="A7D131"/>
-                </a:solidFill>
-              </a:rPr>
-              <a:t>Outils utilisés / </a:t>
-            </a:r>
-            <a:r>
-              <a:rPr lang="fr-FR" b="1" dirty="0" smtClean="0">
-                <a:solidFill>
-                  <a:srgbClr val="A7D131"/>
-                </a:solidFill>
-              </a:rPr>
-              <a:t>Gestion des versions</a:t>
+              <a:rPr lang="fr-FR" b="1" dirty="0"/>
+              <a:t>Outils utilisés / Gestion des versions</a:t>
             </a:r>
           </a:p>
           <a:p>
             <a:pPr lvl="1"/>
             <a:r>
-              <a:rPr lang="fr-FR" b="1" dirty="0" smtClean="0">
-                <a:solidFill>
-                  <a:srgbClr val="A7D131"/>
-                </a:solidFill>
-              </a:rPr>
-              <a:t>Notre code / </a:t>
-            </a:r>
-            <a:r>
-              <a:rPr lang="fr-FR" b="1" dirty="0" smtClean="0">
-                <a:solidFill>
-                  <a:srgbClr val="A7D131"/>
-                </a:solidFill>
-              </a:rPr>
-              <a:t>Garanties </a:t>
-            </a:r>
-          </a:p>
-          <a:p>
-            <a:r>
-              <a:rPr lang="fr-FR" b="1" dirty="0" smtClean="0">
+              <a:rPr lang="fr-FR" b="1" dirty="0"/>
+              <a:t>Notre code / Garanties </a:t>
+            </a:r>
+          </a:p>
+          <a:p>
+            <a:r>
+              <a:rPr lang="fr-FR" b="1" dirty="0">
                 <a:solidFill>
                   <a:srgbClr val="A7D131"/>
                 </a:solidFill>
               </a:rPr>
               <a:t>Présentation du BE de test</a:t>
             </a:r>
-            <a:endParaRPr lang="fr-FR" b="1" dirty="0" smtClean="0">
-              <a:solidFill>
-                <a:srgbClr val="A7D131"/>
-              </a:solidFill>
-            </a:endParaRPr>
-          </a:p>
-          <a:p>
-            <a:r>
-              <a:rPr lang="fr-FR" b="1" dirty="0" smtClean="0">
+          </a:p>
+          <a:p>
+            <a:r>
+              <a:rPr lang="fr-FR" b="1" dirty="0">
                 <a:solidFill>
                   <a:srgbClr val="A7D131"/>
                 </a:solidFill>
@@ -3733,64 +6199,44 @@
           <a:p>
             <a:pPr lvl="1"/>
             <a:r>
-              <a:rPr lang="fr-FR" b="1" dirty="0" smtClean="0">
-                <a:solidFill>
-                  <a:srgbClr val="A7D131"/>
-                </a:solidFill>
-              </a:rPr>
+              <a:rPr lang="fr-FR" b="1" dirty="0"/>
               <a:t>Paramètres des formes d’ondes</a:t>
             </a:r>
           </a:p>
           <a:p>
             <a:pPr lvl="1"/>
             <a:r>
-              <a:rPr lang="fr-FR" b="1" dirty="0" smtClean="0">
-                <a:solidFill>
-                  <a:srgbClr val="A7D131"/>
-                </a:solidFill>
-              </a:rPr>
+              <a:rPr lang="fr-FR" b="1" dirty="0"/>
               <a:t>Schémas de réception </a:t>
             </a:r>
           </a:p>
           <a:p>
             <a:pPr lvl="1"/>
             <a:r>
-              <a:rPr lang="fr-FR" b="1" dirty="0" smtClean="0">
-                <a:solidFill>
-                  <a:srgbClr val="A7D131"/>
-                </a:solidFill>
-              </a:rPr>
+              <a:rPr lang="fr-FR" b="1" dirty="0"/>
               <a:t>Le canal bruité </a:t>
             </a:r>
           </a:p>
           <a:p>
             <a:pPr lvl="1"/>
             <a:r>
-              <a:rPr lang="fr-FR" b="1" dirty="0" smtClean="0">
-                <a:solidFill>
-                  <a:srgbClr val="A7D131"/>
-                </a:solidFill>
-              </a:rPr>
+              <a:rPr lang="fr-FR" b="1" dirty="0"/>
               <a:t>Nos courbes </a:t>
             </a:r>
           </a:p>
           <a:p>
             <a:pPr lvl="1"/>
             <a:r>
-              <a:rPr lang="fr-FR" b="1" dirty="0" smtClean="0">
-                <a:solidFill>
-                  <a:srgbClr val="A7D131"/>
-                </a:solidFill>
-              </a:rPr>
+              <a:rPr lang="fr-FR" b="1" dirty="0"/>
               <a:t>Les simulations</a:t>
             </a:r>
             <a:endParaRPr lang="fr-FR" dirty="0"/>
           </a:p>
           <a:p>
-            <a:endParaRPr lang="fr-FR" dirty="0" smtClean="0"/>
-          </a:p>
-          <a:p>
-            <a:endParaRPr lang="fr-FR" dirty="0" smtClean="0"/>
+            <a:endParaRPr lang="fr-FR" dirty="0"/>
+          </a:p>
+          <a:p>
+            <a:endParaRPr lang="fr-FR" dirty="0"/>
           </a:p>
           <a:p>
             <a:pPr marL="0" indent="0">
@@ -3821,7 +6267,7 @@
           <a:lstStyle/>
           <a:p>
             <a:r>
-              <a:rPr lang="fr-FR" sz="1800" b="1" dirty="0" smtClean="0">
+              <a:rPr lang="fr-FR" sz="1800" b="1" dirty="0">
                 <a:solidFill>
                   <a:srgbClr val="92D050"/>
                 </a:solidFill>
@@ -3925,67 +6371,35 @@
           </a:bodyPr>
           <a:lstStyle/>
           <a:p>
-            <a:r>
-              <a:rPr lang="fr-FR" sz="3600" b="1" dirty="0" smtClean="0">
-                <a:solidFill>
-                  <a:srgbClr val="A7D131"/>
-                </a:solidFill>
-              </a:rPr>
-              <a:t/>
-            </a:r>
             <a:br>
-              <a:rPr lang="fr-FR" sz="3600" b="1" dirty="0" smtClean="0">
+              <a:rPr lang="fr-FR" sz="3600" b="1" dirty="0">
                 <a:solidFill>
                   <a:srgbClr val="A7D131"/>
                 </a:solidFill>
               </a:rPr>
             </a:br>
             <a:r>
-              <a:rPr lang="fr-FR" sz="3600" b="1" dirty="0" smtClean="0">
+              <a:rPr lang="fr-FR" sz="3600" b="1" dirty="0">
                 <a:solidFill>
                   <a:srgbClr val="A7D131"/>
                 </a:solidFill>
               </a:rPr>
-              <a:t>Présentation </a:t>
-            </a:r>
-            <a:r>
+              <a:t>Présentation de l’équipe et des aspects ingénierie </a:t>
+            </a:r>
+            <a:br>
               <a:rPr lang="fr-FR" sz="3600" b="1" dirty="0">
-                <a:solidFill>
-                  <a:srgbClr val="A7D131"/>
-                </a:solidFill>
-              </a:rPr>
-              <a:t>de l’équipe et des aspects ingénierie </a:t>
-            </a:r>
-            <a:r>
-              <a:rPr lang="fr-FR" sz="3600" b="1" dirty="0" smtClean="0">
-                <a:solidFill>
-                  <a:srgbClr val="A7D131"/>
-                </a:solidFill>
-              </a:rPr>
-              <a:t/>
-            </a:r>
-            <a:br>
-              <a:rPr lang="fr-FR" sz="3600" b="1" dirty="0" smtClean="0">
                 <a:solidFill>
                   <a:srgbClr val="A7D131"/>
                 </a:solidFill>
               </a:rPr>
             </a:br>
             <a:r>
-              <a:rPr lang="fr-FR" sz="3600" b="1" i="1" dirty="0" smtClean="0">
+              <a:rPr lang="fr-FR" sz="3600" b="1" i="1" dirty="0">
                 <a:solidFill>
                   <a:srgbClr val="A7D131"/>
                 </a:solidFill>
               </a:rPr>
               <a:t>Organisation</a:t>
-            </a:r>
-            <a:r>
-              <a:rPr lang="fr-FR" sz="3600" b="1" dirty="0">
-                <a:solidFill>
-                  <a:srgbClr val="A7D131"/>
-                </a:solidFill>
-              </a:rPr>
-              <a:t/>
             </a:r>
             <a:br>
               <a:rPr lang="fr-FR" sz="3600" b="1" dirty="0">
@@ -4025,72 +6439,73 @@
           <a:lstStyle/>
           <a:p>
             <a:r>
-              <a:rPr lang="fr-FR" b="1" dirty="0" smtClean="0">
+              <a:rPr lang="fr-FR" b="1" dirty="0">
                 <a:solidFill>
                   <a:srgbClr val="A7D131"/>
                 </a:solidFill>
               </a:rPr>
-              <a:t>Rôles tournants : </a:t>
-            </a:r>
-            <a:endParaRPr lang="fr-FR" b="1" dirty="0" smtClean="0">
-              <a:solidFill>
-                <a:srgbClr val="A7D131"/>
-              </a:solidFill>
-            </a:endParaRPr>
+              <a:t>Rôles théoriques : </a:t>
+            </a:r>
           </a:p>
           <a:p>
             <a:pPr lvl="1"/>
             <a:r>
-              <a:rPr lang="fr-FR" dirty="0" smtClean="0"/>
-              <a:t>2 Responsables Code &amp; Test; </a:t>
+              <a:rPr lang="fr-FR" dirty="0"/>
+              <a:t>2 Responsables Code </a:t>
             </a:r>
           </a:p>
           <a:p>
             <a:pPr lvl="1"/>
             <a:r>
-              <a:rPr lang="fr-FR" dirty="0" smtClean="0"/>
-              <a:t>Responsable Signal; </a:t>
+              <a:rPr lang="fr-FR" dirty="0"/>
+              <a:t>Responsable Déploiement &amp; Validation</a:t>
             </a:r>
           </a:p>
           <a:p>
             <a:pPr lvl="1"/>
             <a:r>
-              <a:rPr lang="fr-FR" dirty="0" smtClean="0"/>
-              <a:t>Responsable Rapport et délais </a:t>
+              <a:rPr lang="fr-FR" dirty="0"/>
+              <a:t>Responsable Rapport/délais</a:t>
+            </a:r>
+          </a:p>
+          <a:p>
+            <a:r>
+              <a:rPr lang="fr-FR" b="1" dirty="0">
+                <a:solidFill>
+                  <a:srgbClr val="A7D131"/>
+                </a:solidFill>
+              </a:rPr>
+              <a:t>Planification et répartition des taches sur Git</a:t>
             </a:r>
           </a:p>
           <a:p>
             <a:pPr lvl="1"/>
-            <a:endParaRPr lang="fr-FR" dirty="0"/>
-          </a:p>
-          <a:p>
-            <a:r>
-              <a:rPr lang="fr-FR" b="1" dirty="0" smtClean="0">
+            <a:r>
+              <a:rPr lang="fr-FR" dirty="0"/>
+              <a:t>La répartition tâche par tâche a prévalue sur l’attribution des rôles.</a:t>
+            </a:r>
+          </a:p>
+          <a:p>
+            <a:r>
+              <a:rPr lang="fr-FR" b="1" dirty="0">
+                <a:solidFill>
+                  <a:srgbClr val="FF0000"/>
+                </a:solidFill>
+                <a:highlight>
+                  <a:srgbClr val="FFFF00"/>
+                </a:highlight>
+              </a:rPr>
+              <a:t>Des délais de livraison entre nous -&gt; Relecture ? </a:t>
+            </a:r>
+          </a:p>
+          <a:p>
+            <a:r>
+              <a:rPr lang="fr-FR" b="1" dirty="0">
                 <a:solidFill>
                   <a:srgbClr val="A7D131"/>
                 </a:solidFill>
               </a:rPr>
-              <a:t>Des délais de livraison entre nous -&gt; Relecture </a:t>
-            </a:r>
-          </a:p>
-          <a:p>
-            <a:r>
-              <a:rPr lang="fr-FR" b="1" dirty="0" smtClean="0">
-                <a:solidFill>
-                  <a:srgbClr val="A7D131"/>
-                </a:solidFill>
-              </a:rPr>
-              <a:t>Planification des taches sur Git</a:t>
-            </a:r>
-          </a:p>
-          <a:p>
-            <a:r>
-              <a:rPr lang="fr-FR" b="1" dirty="0" smtClean="0">
-                <a:solidFill>
-                  <a:srgbClr val="A7D131"/>
-                </a:solidFill>
-              </a:rPr>
-              <a:t>Chaque responsable analyse son travail et ses résultats</a:t>
+              <a:t>Relecture et analyses des résultat des responsables entre eux.</a:t>
             </a:r>
           </a:p>
           <a:p>
@@ -4220,67 +6635,35 @@
           </a:bodyPr>
           <a:lstStyle/>
           <a:p>
-            <a:r>
-              <a:rPr lang="fr-FR" sz="3600" b="1" dirty="0" smtClean="0">
-                <a:solidFill>
-                  <a:srgbClr val="A7D131"/>
-                </a:solidFill>
-              </a:rPr>
-              <a:t/>
-            </a:r>
             <a:br>
-              <a:rPr lang="fr-FR" sz="3600" b="1" dirty="0" smtClean="0">
+              <a:rPr lang="fr-FR" sz="3600" b="1" dirty="0">
                 <a:solidFill>
                   <a:srgbClr val="A7D131"/>
                 </a:solidFill>
               </a:rPr>
             </a:br>
             <a:r>
-              <a:rPr lang="fr-FR" sz="3600" b="1" dirty="0" smtClean="0">
+              <a:rPr lang="fr-FR" sz="3600" b="1" dirty="0">
                 <a:solidFill>
                   <a:srgbClr val="A7D131"/>
                 </a:solidFill>
               </a:rPr>
-              <a:t>Présentation </a:t>
-            </a:r>
-            <a:r>
+              <a:t>Présentation de l’équipe et des aspects ingénierie </a:t>
+            </a:r>
+            <a:br>
               <a:rPr lang="fr-FR" sz="3600" b="1" dirty="0">
-                <a:solidFill>
-                  <a:srgbClr val="A7D131"/>
-                </a:solidFill>
-              </a:rPr>
-              <a:t>de l’équipe et des aspects ingénierie </a:t>
-            </a:r>
-            <a:r>
-              <a:rPr lang="fr-FR" sz="3600" b="1" dirty="0" smtClean="0">
-                <a:solidFill>
-                  <a:srgbClr val="A7D131"/>
-                </a:solidFill>
-              </a:rPr>
-              <a:t/>
-            </a:r>
-            <a:br>
-              <a:rPr lang="fr-FR" sz="3600" b="1" dirty="0" smtClean="0">
                 <a:solidFill>
                   <a:srgbClr val="A7D131"/>
                 </a:solidFill>
               </a:rPr>
             </a:br>
             <a:r>
-              <a:rPr lang="fr-FR" sz="3600" b="1" i="1" dirty="0" smtClean="0">
+              <a:rPr lang="fr-FR" sz="3600" b="1" i="1" dirty="0">
                 <a:solidFill>
                   <a:srgbClr val="A7D131"/>
                 </a:solidFill>
               </a:rPr>
               <a:t>Outils utilisés – Gestion des versions</a:t>
-            </a:r>
-            <a:r>
-              <a:rPr lang="fr-FR" sz="3600" b="1" dirty="0">
-                <a:solidFill>
-                  <a:srgbClr val="A7D131"/>
-                </a:solidFill>
-              </a:rPr>
-              <a:t/>
             </a:r>
             <a:br>
               <a:rPr lang="fr-FR" sz="3600" b="1" dirty="0">
@@ -4320,7 +6703,7 @@
           <a:lstStyle/>
           <a:p>
             <a:r>
-              <a:rPr lang="fr-FR" b="1" dirty="0" smtClean="0">
+              <a:rPr lang="fr-FR" b="1" dirty="0">
                 <a:solidFill>
                   <a:srgbClr val="A7D131"/>
                 </a:solidFill>
@@ -4331,51 +6714,46 @@
           <a:p>
             <a:pPr lvl="1"/>
             <a:r>
-              <a:rPr lang="fr-FR" dirty="0" smtClean="0"/>
+              <a:rPr lang="fr-FR" dirty="0"/>
               <a:t>GitHub</a:t>
             </a:r>
-            <a:endParaRPr lang="fr-FR" dirty="0" smtClean="0"/>
           </a:p>
           <a:p>
             <a:pPr lvl="1"/>
             <a:r>
-              <a:rPr lang="fr-FR" dirty="0" err="1" smtClean="0"/>
-              <a:t>GitKrake</a:t>
-            </a:r>
-            <a:r>
-              <a:rPr lang="fr-FR" dirty="0" err="1" smtClean="0"/>
-              <a:t>n</a:t>
-            </a:r>
-            <a:r>
-              <a:rPr lang="fr-FR" dirty="0" smtClean="0"/>
+              <a:rPr lang="fr-FR" dirty="0" err="1"/>
+              <a:t>GitKraken</a:t>
+            </a:r>
+            <a:r>
+              <a:rPr lang="fr-FR" dirty="0"/>
               <a:t> </a:t>
             </a:r>
           </a:p>
           <a:p>
             <a:pPr lvl="1"/>
             <a:r>
-              <a:rPr lang="fr-FR" dirty="0" err="1" smtClean="0"/>
+              <a:rPr lang="fr-FR" dirty="0" err="1"/>
               <a:t>Junit</a:t>
             </a:r>
             <a:r>
-              <a:rPr lang="fr-FR" dirty="0" smtClean="0"/>
+              <a:rPr lang="fr-FR" dirty="0"/>
               <a:t> </a:t>
             </a:r>
           </a:p>
           <a:p>
             <a:pPr lvl="1"/>
             <a:r>
-              <a:rPr lang="fr-FR" dirty="0" err="1" smtClean="0"/>
+              <a:rPr lang="fr-FR" dirty="0" err="1"/>
               <a:t>Debuger</a:t>
             </a:r>
             <a:r>
-              <a:rPr lang="fr-FR" dirty="0" smtClean="0"/>
+              <a:rPr lang="fr-FR" dirty="0"/>
               <a:t> Eclipse </a:t>
             </a:r>
           </a:p>
           <a:p>
             <a:r>
-              <a:rPr lang="fr-FR" b="1" dirty="0" smtClean="0">
+              <a:rPr lang="fr-FR" b="1" dirty="0">
                 <a:solidFill>
                   <a:srgbClr val="A7D131"/>
                 </a:solidFill>
@@ -4386,14 +6764,14 @@
           <a:p>
             <a:pPr lvl="1"/>
             <a:r>
-              <a:rPr lang="fr-FR" dirty="0" smtClean="0"/>
+              <a:rPr lang="fr-FR" dirty="0"/>
               <a:t>Git synchronise les versions </a:t>
             </a:r>
           </a:p>
           <a:p>
             <a:pPr lvl="1"/>
             <a:r>
-              <a:rPr lang="fr-FR" dirty="0" smtClean="0"/>
+              <a:rPr lang="fr-FR" dirty="0"/>
               <a:t>Règles de nommage « code en cours » « code final »</a:t>
             </a:r>
           </a:p>
@@ -4407,7 +6785,7 @@
           </a:p>
           <a:p>
             <a:pPr lvl="1"/>
-            <a:endParaRPr lang="fr-FR" b="1" dirty="0" smtClean="0">
+            <a:endParaRPr lang="fr-FR" b="1" dirty="0">
               <a:solidFill>
                 <a:srgbClr val="A7D131"/>
               </a:solidFill>
@@ -4415,7 +6793,7 @@
           </a:p>
           <a:p>
             <a:pPr lvl="1"/>
-            <a:endParaRPr lang="fr-FR" b="1" dirty="0" smtClean="0">
+            <a:endParaRPr lang="fr-FR" b="1" dirty="0">
               <a:solidFill>
                 <a:srgbClr val="A7D131"/>
               </a:solidFill>
@@ -4423,14 +6801,14 @@
           </a:p>
           <a:p>
             <a:pPr lvl="1"/>
-            <a:endParaRPr lang="fr-FR" b="1" dirty="0" smtClean="0">
+            <a:endParaRPr lang="fr-FR" b="1" dirty="0">
               <a:solidFill>
                 <a:srgbClr val="A7D131"/>
               </a:solidFill>
             </a:endParaRPr>
           </a:p>
           <a:p>
-            <a:endParaRPr lang="fr-FR" b="1" dirty="0" smtClean="0">
+            <a:endParaRPr lang="fr-FR" b="1" dirty="0">
               <a:solidFill>
                 <a:srgbClr val="A7D131"/>
               </a:solidFill>
@@ -4555,67 +6933,35 @@
           </a:bodyPr>
           <a:lstStyle/>
           <a:p>
-            <a:r>
-              <a:rPr lang="fr-FR" sz="3600" b="1" dirty="0" smtClean="0">
-                <a:solidFill>
-                  <a:srgbClr val="A7D131"/>
-                </a:solidFill>
-              </a:rPr>
-              <a:t/>
-            </a:r>
             <a:br>
-              <a:rPr lang="fr-FR" sz="3600" b="1" dirty="0" smtClean="0">
+              <a:rPr lang="fr-FR" sz="3600" b="1" dirty="0">
                 <a:solidFill>
                   <a:srgbClr val="A7D131"/>
                 </a:solidFill>
               </a:rPr>
             </a:br>
             <a:r>
-              <a:rPr lang="fr-FR" sz="3600" b="1" dirty="0" smtClean="0">
+              <a:rPr lang="fr-FR" sz="3600" b="1" dirty="0">
                 <a:solidFill>
                   <a:srgbClr val="A7D131"/>
                 </a:solidFill>
               </a:rPr>
-              <a:t>Présentation </a:t>
-            </a:r>
-            <a:r>
+              <a:t>Présentation de l’équipe et des aspects ingénierie </a:t>
+            </a:r>
+            <a:br>
               <a:rPr lang="fr-FR" sz="3600" b="1" dirty="0">
-                <a:solidFill>
-                  <a:srgbClr val="A7D131"/>
-                </a:solidFill>
-              </a:rPr>
-              <a:t>de l’équipe et des aspects ingénierie </a:t>
-            </a:r>
-            <a:r>
-              <a:rPr lang="fr-FR" sz="3600" b="1" dirty="0" smtClean="0">
-                <a:solidFill>
-                  <a:srgbClr val="A7D131"/>
-                </a:solidFill>
-              </a:rPr>
-              <a:t/>
-            </a:r>
-            <a:br>
-              <a:rPr lang="fr-FR" sz="3600" b="1" dirty="0" smtClean="0">
                 <a:solidFill>
                   <a:srgbClr val="A7D131"/>
                 </a:solidFill>
               </a:rPr>
             </a:br>
             <a:r>
-              <a:rPr lang="fr-FR" sz="3600" b="1" i="1" dirty="0" smtClean="0">
+              <a:rPr lang="fr-FR" sz="3600" b="1" i="1" dirty="0">
                 <a:solidFill>
                   <a:srgbClr val="A7D131"/>
                 </a:solidFill>
               </a:rPr>
               <a:t>Notre Code - Garanties</a:t>
-            </a:r>
-            <a:r>
-              <a:rPr lang="fr-FR" sz="3600" b="1" dirty="0">
-                <a:solidFill>
-                  <a:srgbClr val="A7D131"/>
-                </a:solidFill>
-              </a:rPr>
-              <a:t/>
             </a:r>
             <a:br>
               <a:rPr lang="fr-FR" sz="3600" b="1" dirty="0">
@@ -4655,33 +7001,67 @@
           <a:lstStyle/>
           <a:p>
             <a:r>
-              <a:rPr lang="fr-FR" b="1" dirty="0" smtClean="0">
+              <a:rPr lang="fr-FR" b="1" dirty="0">
                 <a:solidFill>
                   <a:srgbClr val="A7D131"/>
                 </a:solidFill>
               </a:rPr>
-              <a:t>Notre code: </a:t>
-            </a:r>
-          </a:p>
-          <a:p>
-            <a:endParaRPr lang="fr-FR" b="1" dirty="0" smtClean="0">
-              <a:solidFill>
-                <a:srgbClr val="A7D131"/>
-              </a:solidFill>
-            </a:endParaRPr>
-          </a:p>
-          <a:p>
-            <a:r>
-              <a:rPr lang="fr-FR" b="1" dirty="0" smtClean="0">
+              <a:t>Aspect tests/validation : </a:t>
+            </a:r>
+          </a:p>
+          <a:p>
+            <a:pPr lvl="1"/>
+            <a:r>
+              <a:rPr lang="fr-FR" dirty="0"/>
+              <a:t>Rédaction des tests fonctionnels à exécuter avant chaque étape de validation.</a:t>
+            </a:r>
+          </a:p>
+          <a:p>
+            <a:pPr lvl="1"/>
+            <a:r>
+              <a:rPr lang="fr-FR" dirty="0"/>
+              <a:t>Pendant et après le développement, exécution manuelle des tests avec différentes combinaisons d’arguments.</a:t>
+            </a:r>
+          </a:p>
+          <a:p>
+            <a:pPr lvl="1"/>
+            <a:r>
+              <a:rPr lang="fr-FR" dirty="0"/>
+              <a:t>Pas d’autotests : trop gros investissement (en temps) pour la faible complexité du code à tester. </a:t>
+            </a:r>
+          </a:p>
+          <a:p>
+            <a:r>
+              <a:rPr lang="fr-FR" b="1" dirty="0">
                 <a:solidFill>
                   <a:srgbClr val="A7D131"/>
                 </a:solidFill>
               </a:rPr>
               <a:t>Nos garanties: </a:t>
             </a:r>
-          </a:p>
-          <a:p>
-            <a:endParaRPr lang="fr-FR" dirty="0" smtClean="0"/>
+            <a:endParaRPr lang="fr-FR" dirty="0"/>
+          </a:p>
+          <a:p>
+            <a:pPr lvl="1"/>
+            <a:r>
+              <a:rPr lang="fr-FR" dirty="0"/>
+              <a:t>Graphiques interprétés pour vérifier la cohérence de notre simulateur (</a:t>
+            </a:r>
+            <a:r>
+              <a:rPr lang="fr-FR" dirty="0" err="1"/>
+              <a:t>c.f</a:t>
+            </a:r>
+            <a:r>
+              <a:rPr lang="fr-FR" dirty="0"/>
+              <a:t>. rapport).</a:t>
+            </a:r>
+          </a:p>
+          <a:p>
+            <a:pPr lvl="1"/>
+            <a:r>
+              <a:rPr lang="fr-FR" dirty="0"/>
+              <a:t>Exemple du Bruit Blanc Gaussien :</a:t>
+            </a:r>
           </a:p>
           <a:p>
             <a:pPr lvl="1"/>
@@ -4693,7 +7073,7 @@
           </a:p>
           <a:p>
             <a:pPr lvl="1"/>
-            <a:endParaRPr lang="fr-FR" b="1" dirty="0" smtClean="0">
+            <a:endParaRPr lang="fr-FR" b="1" dirty="0">
               <a:solidFill>
                 <a:srgbClr val="A7D131"/>
               </a:solidFill>
@@ -4701,22 +7081,14 @@
           </a:p>
           <a:p>
             <a:pPr lvl="1"/>
-            <a:endParaRPr lang="fr-FR" b="1" dirty="0" smtClean="0">
+            <a:endParaRPr lang="fr-FR" b="1" dirty="0">
               <a:solidFill>
                 <a:srgbClr val="A7D131"/>
               </a:solidFill>
             </a:endParaRPr>
           </a:p>
           <a:p>
-            <a:pPr lvl="1"/>
-            <a:endParaRPr lang="fr-FR" b="1" dirty="0" smtClean="0">
-              <a:solidFill>
-                <a:srgbClr val="A7D131"/>
-              </a:solidFill>
-            </a:endParaRPr>
-          </a:p>
-          <a:p>
-            <a:endParaRPr lang="fr-FR" b="1" dirty="0" smtClean="0">
+            <a:endParaRPr lang="fr-FR" b="1" dirty="0">
               <a:solidFill>
                 <a:srgbClr val="A7D131"/>
               </a:solidFill>
@@ -4841,46 +7213,38 @@
           </a:bodyPr>
           <a:lstStyle/>
           <a:p>
-            <a:r>
-              <a:rPr lang="fr-FR" sz="3600" b="1" dirty="0" smtClean="0">
-                <a:solidFill>
-                  <a:srgbClr val="A7D131"/>
-                </a:solidFill>
-              </a:rPr>
-              <a:t/>
-            </a:r>
             <a:br>
-              <a:rPr lang="fr-FR" sz="3600" b="1" dirty="0" smtClean="0">
+              <a:rPr lang="fr-FR" sz="3600" b="1">
                 <a:solidFill>
                   <a:srgbClr val="A7D131"/>
                 </a:solidFill>
               </a:rPr>
             </a:br>
             <a:r>
-              <a:rPr lang="fr-FR" sz="3600" b="1" dirty="0">
+              <a:rPr lang="fr-FR" sz="3600" b="1">
                 <a:solidFill>
                   <a:srgbClr val="A7D131"/>
                 </a:solidFill>
               </a:rPr>
-              <a:t>Présentation du BE de test</a:t>
+              <a:t>Présentation de l’équipe et des aspects ingénierie </a:t>
             </a:r>
             <a:br>
-              <a:rPr lang="fr-FR" sz="3600" b="1" dirty="0">
+              <a:rPr lang="fr-FR" sz="3600" b="1">
                 <a:solidFill>
                   <a:srgbClr val="A7D131"/>
                 </a:solidFill>
               </a:rPr>
             </a:br>
             <a:r>
-              <a:rPr lang="fr-FR" sz="3600" b="1" dirty="0">
+              <a:rPr lang="fr-FR" sz="3600" b="1" i="1">
                 <a:solidFill>
                   <a:srgbClr val="A7D131"/>
                 </a:solidFill>
               </a:rPr>
-              <a:t/>
+              <a:t>Notre Code - Garanties</a:t>
             </a:r>
             <a:br>
-              <a:rPr lang="fr-FR" sz="3600" b="1" dirty="0">
+              <a:rPr lang="fr-FR" sz="3600" b="1">
                 <a:solidFill>
                   <a:srgbClr val="A7D131"/>
                 </a:solidFill>
@@ -4906,8 +7270,8 @@
         </p:nvSpPr>
         <p:spPr>
           <a:xfrm>
-            <a:off x="838200" y="1342299"/>
-            <a:ext cx="10515600" cy="4351338"/>
+            <a:off x="838200" y="1212965"/>
+            <a:ext cx="10515600" cy="5447322"/>
           </a:xfrm>
         </p:spPr>
         <p:txBody>
@@ -4916,26 +7280,50 @@
           </a:bodyPr>
           <a:lstStyle/>
           <a:p>
-            <a:r>
-              <a:rPr lang="fr-FR" b="1" dirty="0" smtClean="0">
-                <a:solidFill>
-                  <a:srgbClr val="A7D131"/>
-                </a:solidFill>
-              </a:rPr>
-              <a:t>Préparation : </a:t>
-            </a:r>
+            <a:pPr marL="457200" lvl="1" indent="0" algn="ctr">
+              <a:buNone/>
+            </a:pPr>
+            <a:r>
+              <a:rPr lang="fr-FR" sz="1600" b="1" dirty="0"/>
+              <a:t>Exemple : Histogramme de la répartition des valeurs prises par le bruit blanc gaussien</a:t>
+            </a:r>
+          </a:p>
+          <a:p>
+            <a:pPr marL="457200" lvl="1" indent="0">
+              <a:buNone/>
+            </a:pPr>
+            <a:endParaRPr lang="fr-FR" dirty="0"/>
           </a:p>
           <a:p>
             <a:pPr lvl="1"/>
-            <a:r>
-              <a:rPr lang="fr-FR" dirty="0" smtClean="0"/>
-              <a:t>Choix du </a:t>
-            </a:r>
-            <a:r>
-              <a:rPr lang="fr-FR" dirty="0" smtClean="0"/>
-              <a:t>lieu</a:t>
-            </a:r>
-            <a:endParaRPr lang="fr-FR" dirty="0" smtClean="0"/>
+            <a:endParaRPr lang="fr-FR" b="1" dirty="0">
+              <a:solidFill>
+                <a:srgbClr val="A7D131"/>
+              </a:solidFill>
+            </a:endParaRPr>
+          </a:p>
+          <a:p>
+            <a:pPr lvl="1"/>
+            <a:endParaRPr lang="fr-FR" b="1" dirty="0">
+              <a:solidFill>
+                <a:srgbClr val="A7D131"/>
+              </a:solidFill>
+            </a:endParaRPr>
+          </a:p>
+          <a:p>
+            <a:pPr lvl="1"/>
+            <a:endParaRPr lang="fr-FR" b="1" dirty="0">
+              <a:solidFill>
+                <a:srgbClr val="A7D131"/>
+              </a:solidFill>
+            </a:endParaRPr>
+          </a:p>
+          <a:p>
+            <a:endParaRPr lang="fr-FR" b="1" dirty="0">
+              <a:solidFill>
+                <a:srgbClr val="A7D131"/>
+              </a:solidFill>
+            </a:endParaRPr>
           </a:p>
         </p:txBody>
       </p:sp>
@@ -4999,10 +7387,40 @@
           </a:prstGeom>
         </p:spPr>
       </p:pic>
+      <p:graphicFrame>
+        <p:nvGraphicFramePr>
+          <p:cNvPr id="7" name="Graphique 6">
+            <a:extLst>
+              <a:ext uri="{FF2B5EF4-FFF2-40B4-BE49-F238E27FC236}">
+                <a16:creationId xmlns:a16="http://schemas.microsoft.com/office/drawing/2014/main" id="{95A14DE3-BC02-48EE-A119-EEE65C039E37}"/>
+              </a:ext>
+            </a:extLst>
+          </p:cNvPr>
+          <p:cNvGraphicFramePr>
+            <a:graphicFrameLocks noGrp="1"/>
+          </p:cNvGraphicFramePr>
+          <p:nvPr>
+            <p:extLst>
+              <p:ext uri="{D42A27DB-BD31-4B8C-83A1-F6EECF244321}">
+                <p14:modId xmlns:p14="http://schemas.microsoft.com/office/powerpoint/2010/main" val="1034450617"/>
+              </p:ext>
+            </p:extLst>
+          </p:nvPr>
+        </p:nvGraphicFramePr>
+        <p:xfrm>
+          <a:off x="1878720" y="1610473"/>
+          <a:ext cx="9304587" cy="5049814"/>
+        </p:xfrm>
+        <a:graphic>
+          <a:graphicData uri="http://schemas.openxmlformats.org/drawingml/2006/chart">
+            <c:chart xmlns:c="http://schemas.openxmlformats.org/drawingml/2006/chart" xmlns:r="http://schemas.openxmlformats.org/officeDocument/2006/relationships" r:id="rId3"/>
+          </a:graphicData>
+        </a:graphic>
+      </p:graphicFrame>
     </p:spTree>
     <p:extLst>
       <p:ext uri="{BB962C8B-B14F-4D97-AF65-F5344CB8AC3E}">
-        <p14:creationId xmlns:p14="http://schemas.microsoft.com/office/powerpoint/2010/main" val="2232282456"/>
+        <p14:creationId xmlns:p14="http://schemas.microsoft.com/office/powerpoint/2010/main" val="927800010"/>
       </p:ext>
     </p:extLst>
   </p:cSld>
@@ -5056,68 +7474,28 @@
           </a:bodyPr>
           <a:lstStyle/>
           <a:p>
-            <a:r>
-              <a:rPr lang="fr-FR" sz="3600" b="1" dirty="0" smtClean="0">
-                <a:solidFill>
-                  <a:srgbClr val="A7D131"/>
-                </a:solidFill>
-              </a:rPr>
-              <a:t/>
-            </a:r>
             <a:br>
-              <a:rPr lang="fr-FR" sz="3600" b="1" dirty="0" smtClean="0">
+              <a:rPr lang="fr-FR" sz="3600" b="1" dirty="0">
                 <a:solidFill>
                   <a:srgbClr val="A7D131"/>
                 </a:solidFill>
               </a:rPr>
             </a:br>
             <a:r>
-              <a:rPr lang="fr-FR" sz="3600" b="1" dirty="0" smtClean="0">
+              <a:rPr lang="fr-FR" sz="3600" b="1" dirty="0">
                 <a:solidFill>
                   <a:srgbClr val="A7D131"/>
                 </a:solidFill>
               </a:rPr>
-              <a:t>Présentation </a:t>
-            </a:r>
-            <a:r>
+              <a:t>Présentation du BE de test</a:t>
+            </a:r>
+            <a:br>
               <a:rPr lang="fr-FR" sz="3600" b="1" dirty="0">
-                <a:solidFill>
-                  <a:srgbClr val="A7D131"/>
-                </a:solidFill>
-              </a:rPr>
-              <a:t>de l’équipe et des aspects ingénierie </a:t>
-            </a:r>
-            <a:r>
-              <a:rPr lang="fr-FR" sz="3600" b="1" dirty="0" smtClean="0">
-                <a:solidFill>
-                  <a:srgbClr val="A7D131"/>
-                </a:solidFill>
-              </a:rPr>
-              <a:t/>
-            </a:r>
-            <a:br>
-              <a:rPr lang="fr-FR" sz="3600" b="1" dirty="0" smtClean="0">
                 <a:solidFill>
                   <a:srgbClr val="A7D131"/>
                 </a:solidFill>
               </a:rPr>
             </a:br>
-            <a:r>
-              <a:rPr lang="fr-FR" sz="3600" b="1" i="1" dirty="0" smtClean="0">
-                <a:solidFill>
-                  <a:srgbClr val="A7D131"/>
-                </a:solidFill>
-              </a:rPr>
-              <a:t>Notre Code</a:t>
-            </a:r>
-            <a:r>
-              <a:rPr lang="fr-FR" sz="3600" b="1" dirty="0">
-                <a:solidFill>
-                  <a:srgbClr val="A7D131"/>
-                </a:solidFill>
-              </a:rPr>
-              <a:t/>
-            </a:r>
             <a:br>
               <a:rPr lang="fr-FR" sz="3600" b="1" dirty="0">
                 <a:solidFill>
@@ -5135,7 +7513,73 @@
       </p:sp>
       <p:sp>
         <p:nvSpPr>
-          <p:cNvPr id="3" name="Espace réservé du contenu 2"/>
+          <p:cNvPr id="4" name="Espace réservé du numéro de diapositive 3"/>
+          <p:cNvSpPr>
+            <a:spLocks noGrp="1"/>
+          </p:cNvSpPr>
+          <p:nvPr>
+            <p:ph type="sldNum" sz="quarter" idx="12"/>
+          </p:nvPr>
+        </p:nvSpPr>
+        <p:spPr>
+          <a:xfrm>
+            <a:off x="9329058" y="423920"/>
+            <a:ext cx="2743200" cy="365125"/>
+          </a:xfrm>
+        </p:spPr>
+        <p:txBody>
+          <a:bodyPr/>
+          <a:lstStyle/>
+          <a:p>
+            <a:fld id="{EE740932-4346-4742-A888-81B437EC00F0}" type="slidenum">
+              <a:rPr lang="fr-FR" sz="1800" b="1" smtClean="0">
+                <a:solidFill>
+                  <a:srgbClr val="A7D131"/>
+                </a:solidFill>
+              </a:rPr>
+              <a:t>7</a:t>
+            </a:fld>
+            <a:endParaRPr lang="fr-FR" sz="1800" b="1" dirty="0">
+              <a:solidFill>
+                <a:srgbClr val="A7D131"/>
+              </a:solidFill>
+            </a:endParaRPr>
+          </a:p>
+        </p:txBody>
+      </p:sp>
+      <p:pic>
+        <p:nvPicPr>
+          <p:cNvPr id="5" name="Image 4"/>
+          <p:cNvPicPr>
+            <a:picLocks noChangeAspect="1"/>
+          </p:cNvPicPr>
+          <p:nvPr/>
+        </p:nvPicPr>
+        <p:blipFill>
+          <a:blip r:embed="rId2"/>
+          <a:stretch>
+            <a:fillRect/>
+          </a:stretch>
+        </p:blipFill>
+        <p:spPr>
+          <a:xfrm>
+            <a:off x="134847" y="5822969"/>
+            <a:ext cx="1573380" cy="966652"/>
+          </a:xfrm>
+          <a:prstGeom prst="rect">
+            <a:avLst/>
+          </a:prstGeom>
+        </p:spPr>
+      </p:pic>
+      <p:sp>
+        <p:nvSpPr>
+          <p:cNvPr id="13" name="Espace réservé du contenu 2">
+            <a:extLst>
+              <a:ext uri="{FF2B5EF4-FFF2-40B4-BE49-F238E27FC236}">
+                <a16:creationId xmlns:a16="http://schemas.microsoft.com/office/drawing/2014/main" id="{02E288D3-32F0-414A-BF21-2B656E372E7C}"/>
+              </a:ext>
+            </a:extLst>
+          </p:cNvPr>
           <p:cNvSpPr>
             <a:spLocks noGrp="1"/>
           </p:cNvSpPr>
@@ -5156,7 +7600,7 @@
           <a:lstStyle/>
           <a:p>
             <a:r>
-              <a:rPr lang="fr-FR" b="1" dirty="0" smtClean="0">
+              <a:rPr lang="fr-FR" b="1" dirty="0">
                 <a:solidFill>
                   <a:srgbClr val="A7D131"/>
                 </a:solidFill>
@@ -5167,14 +7611,151 @@
           <a:p>
             <a:pPr lvl="1"/>
             <a:r>
-              <a:rPr lang="fr-FR" dirty="0" smtClean="0"/>
-              <a:t>Choix du </a:t>
-            </a:r>
-            <a:r>
-              <a:rPr lang="fr-FR" dirty="0" smtClean="0"/>
-              <a:t>lieu</a:t>
-            </a:r>
-            <a:endParaRPr lang="fr-FR" dirty="0" smtClean="0"/>
+              <a:rPr lang="fr-FR" dirty="0"/>
+              <a:t>Choix du lieu</a:t>
+            </a:r>
+          </a:p>
+        </p:txBody>
+      </p:sp>
+    </p:spTree>
+    <p:extLst>
+      <p:ext uri="{BB962C8B-B14F-4D97-AF65-F5344CB8AC3E}">
+        <p14:creationId xmlns:p14="http://schemas.microsoft.com/office/powerpoint/2010/main" val="2232282456"/>
+      </p:ext>
+    </p:extLst>
+  </p:cSld>
+  <p:clrMapOvr>
+    <a:masterClrMapping/>
+  </p:clrMapOvr>
+</p:sld>
+</file>
+
+<file path=ppt/slides/slide8.xml><?xml version="1.0" encoding="utf-8"?>
+<p:sld xmlns:a="http://schemas.openxmlformats.org/drawingml/2006/main" xmlns:r="http://schemas.openxmlformats.org/officeDocument/2006/relationships" xmlns:p="http://schemas.openxmlformats.org/presentationml/2006/main">
+  <p:cSld>
+    <p:spTree>
+      <p:nvGrpSpPr>
+        <p:cNvPr id="1" name=""/>
+        <p:cNvGrpSpPr/>
+        <p:nvPr/>
+      </p:nvGrpSpPr>
+      <p:grpSpPr>
+        <a:xfrm>
+          <a:off x="0" y="0"/>
+          <a:ext cx="0" cy="0"/>
+          <a:chOff x="0" y="0"/>
+          <a:chExt cx="0" cy="0"/>
+        </a:xfrm>
+      </p:grpSpPr>
+      <p:sp>
+        <p:nvSpPr>
+          <p:cNvPr id="2" name="Titre 1"/>
+          <p:cNvSpPr>
+            <a:spLocks noGrp="1"/>
+          </p:cNvSpPr>
+          <p:nvPr>
+            <p:ph type="title"/>
+          </p:nvPr>
+        </p:nvSpPr>
+        <p:spPr>
+          <a:xfrm>
+            <a:off x="0" y="0"/>
+            <a:ext cx="12192000" cy="1212967"/>
+          </a:xfrm>
+          <a:solidFill>
+            <a:schemeClr val="bg2">
+              <a:lumMod val="90000"/>
+            </a:schemeClr>
+          </a:solidFill>
+        </p:spPr>
+        <p:txBody>
+          <a:bodyPr>
+            <a:noAutofit/>
+          </a:bodyPr>
+          <a:lstStyle/>
+          <a:p>
+            <a:br>
+              <a:rPr lang="fr-FR" sz="3600" b="1" dirty="0">
+                <a:solidFill>
+                  <a:srgbClr val="A7D131"/>
+                </a:solidFill>
+              </a:rPr>
+            </a:br>
+            <a:r>
+              <a:rPr lang="fr-FR" sz="3600" b="1" dirty="0">
+                <a:solidFill>
+                  <a:srgbClr val="A7D131"/>
+                </a:solidFill>
+              </a:rPr>
+              <a:t>Présentation de l’équipe et des aspects ingénierie </a:t>
+            </a:r>
+            <a:br>
+              <a:rPr lang="fr-FR" sz="3600" b="1" dirty="0">
+                <a:solidFill>
+                  <a:srgbClr val="A7D131"/>
+                </a:solidFill>
+              </a:rPr>
+            </a:br>
+            <a:r>
+              <a:rPr lang="fr-FR" sz="3600" b="1" i="1" dirty="0">
+                <a:solidFill>
+                  <a:srgbClr val="A7D131"/>
+                </a:solidFill>
+              </a:rPr>
+              <a:t>Notre Code</a:t>
+            </a:r>
+            <a:br>
+              <a:rPr lang="fr-FR" sz="3600" b="1" dirty="0">
+                <a:solidFill>
+                  <a:srgbClr val="A7D131"/>
+                </a:solidFill>
+              </a:rPr>
+            </a:br>
+            <a:endParaRPr lang="fr-FR" sz="3600" b="1" dirty="0">
+              <a:solidFill>
+                <a:srgbClr val="92D050"/>
+              </a:solidFill>
+            </a:endParaRPr>
+          </a:p>
+        </p:txBody>
+      </p:sp>
+      <p:sp>
+        <p:nvSpPr>
+          <p:cNvPr id="3" name="Espace réservé du contenu 2"/>
+          <p:cNvSpPr>
+            <a:spLocks noGrp="1"/>
+          </p:cNvSpPr>
+          <p:nvPr>
+            <p:ph idx="1"/>
+          </p:nvPr>
+        </p:nvSpPr>
+        <p:spPr>
+          <a:xfrm>
+            <a:off x="838200" y="1342299"/>
+            <a:ext cx="10515600" cy="4351338"/>
+          </a:xfrm>
+        </p:spPr>
+        <p:txBody>
+          <a:bodyPr>
+            <a:normAutofit/>
+          </a:bodyPr>
+          <a:lstStyle/>
+          <a:p>
+            <a:r>
+              <a:rPr lang="fr-FR" b="1" dirty="0">
+                <a:solidFill>
+                  <a:srgbClr val="A7D131"/>
+                </a:solidFill>
+              </a:rPr>
+              <a:t>Préparation : </a:t>
+            </a:r>
+          </a:p>
+          <a:p>
+            <a:pPr lvl="1"/>
+            <a:r>
+              <a:rPr lang="fr-FR" dirty="0"/>
+              <a:t>Choix du lieu</a:t>
+            </a:r>
           </a:p>
         </p:txBody>
       </p:sp>
@@ -5204,7 +7785,7 @@
                   <a:srgbClr val="A7D131"/>
                 </a:solidFill>
               </a:rPr>
-              <a:t>7</a:t>
+              <a:t>8</a:t>
             </a:fld>
             <a:endParaRPr lang="fr-FR" sz="1800" b="1" dirty="0">
               <a:solidFill>
@@ -5251,7 +7832,7 @@
 </p:sld>
 </file>
 
-<file path=ppt/slides/slide8.xml><?xml version="1.0" encoding="utf-8"?>
+<file path=ppt/slides/slide9.xml><?xml version="1.0" encoding="utf-8"?>
 <p:sld xmlns:a="http://schemas.openxmlformats.org/drawingml/2006/main" xmlns:r="http://schemas.openxmlformats.org/officeDocument/2006/relationships" xmlns:p="http://schemas.openxmlformats.org/presentationml/2006/main">
   <p:cSld>
     <p:spTree>
@@ -5295,36 +7876,20 @@
           </a:bodyPr>
           <a:lstStyle/>
           <a:p>
-            <a:r>
-              <a:rPr lang="fr-FR" b="1" dirty="0" smtClean="0">
-                <a:solidFill>
-                  <a:srgbClr val="A7D131"/>
-                </a:solidFill>
-              </a:rPr>
-              <a:t/>
-            </a:r>
             <a:br>
-              <a:rPr lang="fr-FR" b="1" dirty="0" smtClean="0">
+              <a:rPr lang="fr-FR" b="1" dirty="0">
                 <a:solidFill>
                   <a:srgbClr val="A7D131"/>
                 </a:solidFill>
               </a:rPr>
             </a:br>
             <a:r>
-              <a:rPr lang="fr-FR" b="1" dirty="0" smtClean="0">
+              <a:rPr lang="fr-FR" b="1" dirty="0">
                 <a:solidFill>
                   <a:srgbClr val="A7D131"/>
                 </a:solidFill>
               </a:rPr>
-              <a:t>Présentation </a:t>
-            </a:r>
-            <a:r>
-              <a:rPr lang="fr-FR" b="1" dirty="0">
-                <a:solidFill>
-                  <a:srgbClr val="A7D131"/>
-                </a:solidFill>
-              </a:rPr>
-              <a:t>de notre logiciel et de ses résultats</a:t>
+              <a:t>Présentation de notre logiciel et de ses résultats</a:t>
             </a:r>
             <a:br>
               <a:rPr lang="fr-FR" b="1" dirty="0">
@@ -5334,12 +7899,12 @@
               </a:rPr>
             </a:br>
             <a:r>
-              <a:rPr lang="fr-FR" b="1" dirty="0">
+              <a:rPr lang="fr-FR" b="1" i="1" dirty="0">
                 <a:solidFill>
                   <a:srgbClr val="A7D131"/>
                 </a:solidFill>
               </a:rPr>
-              <a:t/>
+              <a:t>Paramètres des formes d’ondes</a:t>
             </a:r>
             <a:br>
               <a:rPr lang="fr-FR" b="1" dirty="0">
@@ -5379,25 +7944,13 @@
           <a:lstStyle/>
           <a:p>
             <a:r>
-              <a:rPr lang="fr-FR" b="1" dirty="0" smtClean="0">
+              <a:rPr lang="fr-FR" b="1" dirty="0">
                 <a:solidFill>
                   <a:srgbClr val="A7D131"/>
                 </a:solidFill>
               </a:rPr>
               <a:t>Préparation : </a:t>
             </a:r>
-          </a:p>
-          <a:p>
-            <a:pPr lvl="1"/>
-            <a:r>
-              <a:rPr lang="fr-FR" dirty="0" smtClean="0"/>
-              <a:t>Choix du </a:t>
-            </a:r>
-            <a:r>
-              <a:rPr lang="fr-FR" dirty="0" smtClean="0"/>
-              <a:t>lieu</a:t>
-            </a:r>
-            <a:endParaRPr lang="fr-FR" dirty="0" smtClean="0"/>
           </a:p>
         </p:txBody>
       </p:sp>
@@ -5427,7 +7980,7 @@
                   <a:srgbClr val="A7D131"/>
                 </a:solidFill>
               </a:rPr>
-              <a:t>8</a:t>
+              <a:t>9</a:t>
             </a:fld>
             <a:endParaRPr lang="fr-FR" sz="1800" b="1" dirty="0">
               <a:solidFill>
